--- a/homeworks_musab_sakar.pptx
+++ b/homeworks_musab_sakar.pptx
@@ -13,6 +13,8 @@
     <p:sldId id="261" r:id="rId7"/>
     <p:sldId id="262" r:id="rId8"/>
     <p:sldId id="263" r:id="rId9"/>
+    <p:sldId id="264" r:id="rId10"/>
+    <p:sldId id="265" r:id="rId11"/>
   </p:sldIdLst>
   <p:sldSz cx="9144000" cy="6858000" type="screen4x3"/>
   <p:notesSz cx="6858000" cy="9144000"/>
@@ -295,7 +297,8 @@
           <a:p>
             <a:fld id="{194CBBFF-B9F9-477E-9B1F-DD9A3FC6F727}" type="datetimeFigureOut">
               <a:rPr lang="tr-TR" smtClean="0"/>
-              <a:t>24.5.2022</a:t>
+              <a:pPr/>
+              <a:t>30.5.2022</a:t>
             </a:fld>
             <a:endParaRPr lang="tr-TR"/>
           </a:p>
@@ -337,6 +340,7 @@
           <a:p>
             <a:fld id="{FFCCEB4D-3032-44B9-A8FD-E3DAFEF2353F}" type="slidenum">
               <a:rPr lang="tr-TR" smtClean="0"/>
+              <a:pPr/>
               <a:t>‹#›</a:t>
             </a:fld>
             <a:endParaRPr lang="tr-TR"/>
@@ -460,7 +464,8 @@
           <a:p>
             <a:fld id="{194CBBFF-B9F9-477E-9B1F-DD9A3FC6F727}" type="datetimeFigureOut">
               <a:rPr lang="tr-TR" smtClean="0"/>
-              <a:t>24.5.2022</a:t>
+              <a:pPr/>
+              <a:t>30.5.2022</a:t>
             </a:fld>
             <a:endParaRPr lang="tr-TR"/>
           </a:p>
@@ -502,6 +507,7 @@
           <a:p>
             <a:fld id="{FFCCEB4D-3032-44B9-A8FD-E3DAFEF2353F}" type="slidenum">
               <a:rPr lang="tr-TR" smtClean="0"/>
+              <a:pPr/>
               <a:t>‹#›</a:t>
             </a:fld>
             <a:endParaRPr lang="tr-TR"/>
@@ -635,7 +641,8 @@
           <a:p>
             <a:fld id="{194CBBFF-B9F9-477E-9B1F-DD9A3FC6F727}" type="datetimeFigureOut">
               <a:rPr lang="tr-TR" smtClean="0"/>
-              <a:t>24.5.2022</a:t>
+              <a:pPr/>
+              <a:t>30.5.2022</a:t>
             </a:fld>
             <a:endParaRPr lang="tr-TR"/>
           </a:p>
@@ -677,6 +684,7 @@
           <a:p>
             <a:fld id="{FFCCEB4D-3032-44B9-A8FD-E3DAFEF2353F}" type="slidenum">
               <a:rPr lang="tr-TR" smtClean="0"/>
+              <a:pPr/>
               <a:t>‹#›</a:t>
             </a:fld>
             <a:endParaRPr lang="tr-TR"/>
@@ -800,7 +808,8 @@
           <a:p>
             <a:fld id="{194CBBFF-B9F9-477E-9B1F-DD9A3FC6F727}" type="datetimeFigureOut">
               <a:rPr lang="tr-TR" smtClean="0"/>
-              <a:t>24.5.2022</a:t>
+              <a:pPr/>
+              <a:t>30.5.2022</a:t>
             </a:fld>
             <a:endParaRPr lang="tr-TR"/>
           </a:p>
@@ -842,6 +851,7 @@
           <a:p>
             <a:fld id="{FFCCEB4D-3032-44B9-A8FD-E3DAFEF2353F}" type="slidenum">
               <a:rPr lang="tr-TR" smtClean="0"/>
+              <a:pPr/>
               <a:t>‹#›</a:t>
             </a:fld>
             <a:endParaRPr lang="tr-TR"/>
@@ -1041,7 +1051,8 @@
           <a:p>
             <a:fld id="{194CBBFF-B9F9-477E-9B1F-DD9A3FC6F727}" type="datetimeFigureOut">
               <a:rPr lang="tr-TR" smtClean="0"/>
-              <a:t>24.5.2022</a:t>
+              <a:pPr/>
+              <a:t>30.5.2022</a:t>
             </a:fld>
             <a:endParaRPr lang="tr-TR"/>
           </a:p>
@@ -1083,6 +1094,7 @@
           <a:p>
             <a:fld id="{FFCCEB4D-3032-44B9-A8FD-E3DAFEF2353F}" type="slidenum">
               <a:rPr lang="tr-TR" smtClean="0"/>
+              <a:pPr/>
               <a:t>‹#›</a:t>
             </a:fld>
             <a:endParaRPr lang="tr-TR"/>
@@ -1324,7 +1336,8 @@
           <a:p>
             <a:fld id="{194CBBFF-B9F9-477E-9B1F-DD9A3FC6F727}" type="datetimeFigureOut">
               <a:rPr lang="tr-TR" smtClean="0"/>
-              <a:t>24.5.2022</a:t>
+              <a:pPr/>
+              <a:t>30.5.2022</a:t>
             </a:fld>
             <a:endParaRPr lang="tr-TR"/>
           </a:p>
@@ -1366,6 +1379,7 @@
           <a:p>
             <a:fld id="{FFCCEB4D-3032-44B9-A8FD-E3DAFEF2353F}" type="slidenum">
               <a:rPr lang="tr-TR" smtClean="0"/>
+              <a:pPr/>
               <a:t>‹#›</a:t>
             </a:fld>
             <a:endParaRPr lang="tr-TR"/>
@@ -1741,7 +1755,8 @@
           <a:p>
             <a:fld id="{194CBBFF-B9F9-477E-9B1F-DD9A3FC6F727}" type="datetimeFigureOut">
               <a:rPr lang="tr-TR" smtClean="0"/>
-              <a:t>24.5.2022</a:t>
+              <a:pPr/>
+              <a:t>30.5.2022</a:t>
             </a:fld>
             <a:endParaRPr lang="tr-TR"/>
           </a:p>
@@ -1783,6 +1798,7 @@
           <a:p>
             <a:fld id="{FFCCEB4D-3032-44B9-A8FD-E3DAFEF2353F}" type="slidenum">
               <a:rPr lang="tr-TR" smtClean="0"/>
+              <a:pPr/>
               <a:t>‹#›</a:t>
             </a:fld>
             <a:endParaRPr lang="tr-TR"/>
@@ -1854,7 +1870,8 @@
           <a:p>
             <a:fld id="{194CBBFF-B9F9-477E-9B1F-DD9A3FC6F727}" type="datetimeFigureOut">
               <a:rPr lang="tr-TR" smtClean="0"/>
-              <a:t>24.5.2022</a:t>
+              <a:pPr/>
+              <a:t>30.5.2022</a:t>
             </a:fld>
             <a:endParaRPr lang="tr-TR"/>
           </a:p>
@@ -1896,6 +1913,7 @@
           <a:p>
             <a:fld id="{FFCCEB4D-3032-44B9-A8FD-E3DAFEF2353F}" type="slidenum">
               <a:rPr lang="tr-TR" smtClean="0"/>
+              <a:pPr/>
               <a:t>‹#›</a:t>
             </a:fld>
             <a:endParaRPr lang="tr-TR"/>
@@ -1944,7 +1962,8 @@
           <a:p>
             <a:fld id="{194CBBFF-B9F9-477E-9B1F-DD9A3FC6F727}" type="datetimeFigureOut">
               <a:rPr lang="tr-TR" smtClean="0"/>
-              <a:t>24.5.2022</a:t>
+              <a:pPr/>
+              <a:t>30.5.2022</a:t>
             </a:fld>
             <a:endParaRPr lang="tr-TR"/>
           </a:p>
@@ -1986,6 +2005,7 @@
           <a:p>
             <a:fld id="{FFCCEB4D-3032-44B9-A8FD-E3DAFEF2353F}" type="slidenum">
               <a:rPr lang="tr-TR" smtClean="0"/>
+              <a:pPr/>
               <a:t>‹#›</a:t>
             </a:fld>
             <a:endParaRPr lang="tr-TR"/>
@@ -2216,7 +2236,8 @@
           <a:p>
             <a:fld id="{194CBBFF-B9F9-477E-9B1F-DD9A3FC6F727}" type="datetimeFigureOut">
               <a:rPr lang="tr-TR" smtClean="0"/>
-              <a:t>24.5.2022</a:t>
+              <a:pPr/>
+              <a:t>30.5.2022</a:t>
             </a:fld>
             <a:endParaRPr lang="tr-TR"/>
           </a:p>
@@ -2258,6 +2279,7 @@
           <a:p>
             <a:fld id="{FFCCEB4D-3032-44B9-A8FD-E3DAFEF2353F}" type="slidenum">
               <a:rPr lang="tr-TR" smtClean="0"/>
+              <a:pPr/>
               <a:t>‹#›</a:t>
             </a:fld>
             <a:endParaRPr lang="tr-TR"/>
@@ -2464,7 +2486,8 @@
           <a:p>
             <a:fld id="{194CBBFF-B9F9-477E-9B1F-DD9A3FC6F727}" type="datetimeFigureOut">
               <a:rPr lang="tr-TR" smtClean="0"/>
-              <a:t>24.5.2022</a:t>
+              <a:pPr/>
+              <a:t>30.5.2022</a:t>
             </a:fld>
             <a:endParaRPr lang="tr-TR"/>
           </a:p>
@@ -2506,6 +2529,7 @@
           <a:p>
             <a:fld id="{FFCCEB4D-3032-44B9-A8FD-E3DAFEF2353F}" type="slidenum">
               <a:rPr lang="tr-TR" smtClean="0"/>
+              <a:pPr/>
               <a:t>‹#›</a:t>
             </a:fld>
             <a:endParaRPr lang="tr-TR"/>
@@ -2672,7 +2696,8 @@
           <a:p>
             <a:fld id="{194CBBFF-B9F9-477E-9B1F-DD9A3FC6F727}" type="datetimeFigureOut">
               <a:rPr lang="tr-TR" smtClean="0"/>
-              <a:t>24.5.2022</a:t>
+              <a:pPr/>
+              <a:t>30.5.2022</a:t>
             </a:fld>
             <a:endParaRPr lang="tr-TR"/>
           </a:p>
@@ -2750,6 +2775,7 @@
           <a:p>
             <a:fld id="{FFCCEB4D-3032-44B9-A8FD-E3DAFEF2353F}" type="slidenum">
               <a:rPr lang="tr-TR" smtClean="0"/>
+              <a:pPr/>
               <a:t>‹#›</a:t>
             </a:fld>
             <a:endParaRPr lang="tr-TR"/>
@@ -3127,6 +3153,201 @@
 </p:sld>
 </file>
 
+<file path=ppt/slides/slide10.xml><?xml version="1.0" encoding="utf-8"?>
+<p:sld xmlns:a="http://schemas.openxmlformats.org/drawingml/2006/main" xmlns:r="http://schemas.openxmlformats.org/officeDocument/2006/relationships" xmlns:p="http://schemas.openxmlformats.org/presentationml/2006/main">
+  <p:cSld>
+    <p:spTree>
+      <p:nvGrpSpPr>
+        <p:cNvPr id="1" name=""/>
+        <p:cNvGrpSpPr/>
+        <p:nvPr/>
+      </p:nvGrpSpPr>
+      <p:grpSpPr>
+        <a:xfrm>
+          <a:off x="0" y="0"/>
+          <a:ext cx="0" cy="0"/>
+          <a:chOff x="0" y="0"/>
+          <a:chExt cx="0" cy="0"/>
+        </a:xfrm>
+      </p:grpSpPr>
+      <p:sp>
+        <p:nvSpPr>
+          <p:cNvPr id="2" name="1 Başlık"/>
+          <p:cNvSpPr>
+            <a:spLocks noGrp="1"/>
+          </p:cNvSpPr>
+          <p:nvPr>
+            <p:ph type="title"/>
+          </p:nvPr>
+        </p:nvSpPr>
+        <p:spPr/>
+        <p:txBody>
+          <a:bodyPr/>
+          <a:lstStyle/>
+          <a:p>
+            <a:r>
+              <a:rPr lang="tr-TR" dirty="0" err="1" smtClean="0"/>
+              <a:t>Scrollspy</a:t>
+            </a:r>
+            <a:endParaRPr lang="tr-TR" dirty="0"/>
+          </a:p>
+        </p:txBody>
+      </p:sp>
+      <p:sp>
+        <p:nvSpPr>
+          <p:cNvPr id="3" name="2 İçerik Yer Tutucusu"/>
+          <p:cNvSpPr>
+            <a:spLocks noGrp="1"/>
+          </p:cNvSpPr>
+          <p:nvPr>
+            <p:ph idx="1"/>
+          </p:nvPr>
+        </p:nvSpPr>
+        <p:spPr/>
+        <p:txBody>
+          <a:bodyPr/>
+          <a:lstStyle/>
+          <a:p>
+            <a:r>
+              <a:rPr lang="tr-TR" dirty="0" err="1" smtClean="0"/>
+              <a:t>Scrollspy</a:t>
+            </a:r>
+            <a:r>
+              <a:rPr lang="tr-TR" dirty="0" smtClean="0"/>
+              <a:t> </a:t>
+            </a:r>
+            <a:r>
+              <a:rPr lang="tr-TR" dirty="0" err="1" smtClean="0"/>
+              <a:t>plugin</a:t>
+            </a:r>
+            <a:r>
+              <a:rPr lang="tr-TR" dirty="0" smtClean="0"/>
+              <a:t> is </a:t>
+            </a:r>
+            <a:r>
+              <a:rPr lang="tr-TR" dirty="0" err="1" smtClean="0"/>
+              <a:t>used</a:t>
+            </a:r>
+            <a:r>
+              <a:rPr lang="tr-TR" dirty="0" smtClean="0"/>
+              <a:t> </a:t>
+            </a:r>
+            <a:r>
+              <a:rPr lang="tr-TR" dirty="0" err="1" smtClean="0"/>
+              <a:t>for</a:t>
+            </a:r>
+            <a:r>
+              <a:rPr lang="tr-TR" dirty="0" smtClean="0"/>
+              <a:t> </a:t>
+            </a:r>
+            <a:r>
+              <a:rPr lang="tr-TR" dirty="0" err="1" smtClean="0"/>
+              <a:t>go</a:t>
+            </a:r>
+            <a:r>
+              <a:rPr lang="tr-TR" dirty="0" smtClean="0"/>
+              <a:t> </a:t>
+            </a:r>
+            <a:r>
+              <a:rPr lang="tr-TR" dirty="0" err="1" smtClean="0"/>
+              <a:t>to</a:t>
+            </a:r>
+            <a:r>
+              <a:rPr lang="tr-TR" dirty="0" smtClean="0"/>
+              <a:t> </a:t>
+            </a:r>
+            <a:r>
+              <a:rPr lang="tr-TR" dirty="0" err="1" smtClean="0"/>
+              <a:t>position</a:t>
+            </a:r>
+            <a:r>
+              <a:rPr lang="tr-TR" dirty="0" smtClean="0"/>
+              <a:t> of </a:t>
+            </a:r>
+            <a:r>
+              <a:rPr lang="tr-TR" dirty="0" err="1" smtClean="0"/>
+              <a:t>links</a:t>
+            </a:r>
+            <a:r>
+              <a:rPr lang="tr-TR" dirty="0" smtClean="0"/>
+              <a:t> </a:t>
+            </a:r>
+            <a:r>
+              <a:rPr lang="tr-TR" dirty="0" err="1" smtClean="0"/>
+              <a:t>and</a:t>
+            </a:r>
+            <a:r>
+              <a:rPr lang="tr-TR" dirty="0" smtClean="0"/>
+              <a:t> </a:t>
+            </a:r>
+            <a:r>
+              <a:rPr lang="tr-TR" dirty="0" err="1" smtClean="0"/>
+              <a:t>update</a:t>
+            </a:r>
+            <a:r>
+              <a:rPr lang="tr-TR" dirty="0" smtClean="0"/>
+              <a:t> </a:t>
+            </a:r>
+            <a:r>
+              <a:rPr lang="tr-TR" dirty="0" err="1" smtClean="0"/>
+              <a:t>links</a:t>
+            </a:r>
+            <a:r>
+              <a:rPr lang="tr-TR" dirty="0" smtClean="0"/>
+              <a:t> in </a:t>
+            </a:r>
+            <a:r>
+              <a:rPr lang="tr-TR" dirty="0" err="1" smtClean="0"/>
+              <a:t>navigation</a:t>
+            </a:r>
+            <a:r>
+              <a:rPr lang="tr-TR" dirty="0" smtClean="0"/>
+              <a:t> bar </a:t>
+            </a:r>
+            <a:r>
+              <a:rPr lang="tr-TR" dirty="0" err="1" smtClean="0"/>
+              <a:t>automatically</a:t>
+            </a:r>
+            <a:r>
+              <a:rPr lang="tr-TR" dirty="0" smtClean="0"/>
+              <a:t> </a:t>
+            </a:r>
+            <a:r>
+              <a:rPr lang="tr-TR" dirty="0" err="1" smtClean="0"/>
+              <a:t>based</a:t>
+            </a:r>
+            <a:r>
+              <a:rPr lang="tr-TR" dirty="0" smtClean="0"/>
+              <a:t> on </a:t>
+            </a:r>
+            <a:r>
+              <a:rPr lang="tr-TR" dirty="0" err="1" smtClean="0"/>
+              <a:t>scroll</a:t>
+            </a:r>
+            <a:r>
+              <a:rPr lang="tr-TR" dirty="0" smtClean="0"/>
+              <a:t> </a:t>
+            </a:r>
+            <a:r>
+              <a:rPr lang="tr-TR" dirty="0" err="1" smtClean="0"/>
+              <a:t>position</a:t>
+            </a:r>
+            <a:r>
+              <a:rPr lang="tr-TR" smtClean="0"/>
+              <a:t>.</a:t>
+            </a:r>
+            <a:endParaRPr lang="tr-TR" dirty="0"/>
+          </a:p>
+        </p:txBody>
+      </p:sp>
+    </p:spTree>
+  </p:cSld>
+  <p:clrMapOvr>
+    <a:masterClrMapping/>
+  </p:clrMapOvr>
+</p:sld>
+</file>
+
 <file path=ppt/slides/slide2.xml><?xml version="1.0" encoding="utf-8"?>
 <p:sld xmlns:a="http://schemas.openxmlformats.org/drawingml/2006/main" xmlns:r="http://schemas.openxmlformats.org/officeDocument/2006/relationships" xmlns:p="http://schemas.openxmlformats.org/presentationml/2006/main">
   <p:cSld>
@@ -4637,6 +4858,297 @@
             <a:r>
               <a:rPr lang="tr-TR" dirty="0" smtClean="0"/>
               <a:t>. </a:t>
+            </a:r>
+            <a:endParaRPr lang="tr-TR" dirty="0"/>
+          </a:p>
+        </p:txBody>
+      </p:sp>
+    </p:spTree>
+  </p:cSld>
+  <p:clrMapOvr>
+    <a:masterClrMapping/>
+  </p:clrMapOvr>
+</p:sld>
+</file>
+
+<file path=ppt/slides/slide9.xml><?xml version="1.0" encoding="utf-8"?>
+<p:sld xmlns:a="http://schemas.openxmlformats.org/drawingml/2006/main" xmlns:r="http://schemas.openxmlformats.org/officeDocument/2006/relationships" xmlns:p="http://schemas.openxmlformats.org/presentationml/2006/main">
+  <p:cSld>
+    <p:spTree>
+      <p:nvGrpSpPr>
+        <p:cNvPr id="1" name=""/>
+        <p:cNvGrpSpPr/>
+        <p:nvPr/>
+      </p:nvGrpSpPr>
+      <p:grpSpPr>
+        <a:xfrm>
+          <a:off x="0" y="0"/>
+          <a:ext cx="0" cy="0"/>
+          <a:chOff x="0" y="0"/>
+          <a:chExt cx="0" cy="0"/>
+        </a:xfrm>
+      </p:grpSpPr>
+      <p:sp>
+        <p:nvSpPr>
+          <p:cNvPr id="2" name="1 Başlık"/>
+          <p:cNvSpPr>
+            <a:spLocks noGrp="1"/>
+          </p:cNvSpPr>
+          <p:nvPr>
+            <p:ph type="title"/>
+          </p:nvPr>
+        </p:nvSpPr>
+        <p:spPr/>
+        <p:txBody>
+          <a:bodyPr/>
+          <a:lstStyle/>
+          <a:p>
+            <a:r>
+              <a:rPr lang="tr-TR" dirty="0" err="1" smtClean="0"/>
+              <a:t>Integrity</a:t>
+            </a:r>
+            <a:r>
+              <a:rPr lang="tr-TR" dirty="0" smtClean="0"/>
+              <a:t> &amp; </a:t>
+            </a:r>
+            <a:r>
+              <a:rPr lang="tr-TR" dirty="0" err="1" smtClean="0"/>
+              <a:t>Crossorigin</a:t>
+            </a:r>
+            <a:endParaRPr lang="tr-TR" dirty="0"/>
+          </a:p>
+        </p:txBody>
+      </p:sp>
+      <p:sp>
+        <p:nvSpPr>
+          <p:cNvPr id="3" name="2 İçerik Yer Tutucusu"/>
+          <p:cNvSpPr>
+            <a:spLocks noGrp="1"/>
+          </p:cNvSpPr>
+          <p:nvPr>
+            <p:ph idx="1"/>
+          </p:nvPr>
+        </p:nvSpPr>
+        <p:spPr/>
+        <p:txBody>
+          <a:bodyPr>
+            <a:normAutofit fontScale="92500" lnSpcReduction="10000"/>
+          </a:bodyPr>
+          <a:lstStyle/>
+          <a:p>
+            <a:r>
+              <a:rPr lang="tr-TR" dirty="0" err="1" smtClean="0"/>
+              <a:t>Integrity</a:t>
+            </a:r>
+            <a:r>
+              <a:rPr lang="tr-TR" dirty="0" smtClean="0"/>
+              <a:t> </a:t>
+            </a:r>
+            <a:r>
+              <a:rPr lang="tr-TR" dirty="0" err="1" smtClean="0"/>
+              <a:t>attribute</a:t>
+            </a:r>
+            <a:r>
+              <a:rPr lang="tr-TR" dirty="0" smtClean="0"/>
+              <a:t> </a:t>
+            </a:r>
+            <a:r>
+              <a:rPr lang="tr-TR" dirty="0" err="1" smtClean="0"/>
+              <a:t>check</a:t>
+            </a:r>
+            <a:r>
+              <a:rPr lang="tr-TR" dirty="0" smtClean="0"/>
+              <a:t> </a:t>
+            </a:r>
+            <a:r>
+              <a:rPr lang="tr-TR" dirty="0" err="1" smtClean="0"/>
+              <a:t>hash</a:t>
+            </a:r>
+            <a:r>
+              <a:rPr lang="tr-TR" dirty="0" smtClean="0"/>
+              <a:t> </a:t>
+            </a:r>
+            <a:r>
+              <a:rPr lang="tr-TR" dirty="0" err="1" smtClean="0"/>
+              <a:t>value</a:t>
+            </a:r>
+            <a:r>
+              <a:rPr lang="tr-TR" dirty="0" smtClean="0"/>
+              <a:t> of </a:t>
+            </a:r>
+            <a:r>
+              <a:rPr lang="tr-TR" dirty="0" err="1" smtClean="0"/>
+              <a:t>the</a:t>
+            </a:r>
+            <a:r>
+              <a:rPr lang="tr-TR" dirty="0" smtClean="0"/>
+              <a:t> </a:t>
+            </a:r>
+            <a:r>
+              <a:rPr lang="tr-TR" dirty="0" err="1" smtClean="0"/>
+              <a:t>resource</a:t>
+            </a:r>
+            <a:r>
+              <a:rPr lang="tr-TR" dirty="0" smtClean="0"/>
+              <a:t>. </a:t>
+            </a:r>
+            <a:r>
+              <a:rPr lang="tr-TR" dirty="0" err="1" smtClean="0"/>
+              <a:t>By</a:t>
+            </a:r>
+            <a:r>
+              <a:rPr lang="tr-TR" dirty="0" smtClean="0"/>
+              <a:t> </a:t>
+            </a:r>
+            <a:r>
+              <a:rPr lang="tr-TR" dirty="0" err="1" smtClean="0"/>
+              <a:t>this</a:t>
+            </a:r>
+            <a:r>
+              <a:rPr lang="tr-TR" dirty="0" smtClean="0"/>
+              <a:t> </a:t>
+            </a:r>
+            <a:r>
+              <a:rPr lang="tr-TR" dirty="0" err="1" smtClean="0"/>
+              <a:t>way</a:t>
+            </a:r>
+            <a:r>
+              <a:rPr lang="tr-TR" dirty="0" smtClean="0"/>
+              <a:t>, it</a:t>
+            </a:r>
+            <a:r>
+              <a:rPr lang="en-US" dirty="0" smtClean="0"/>
+              <a:t> </a:t>
+            </a:r>
+            <a:r>
+              <a:rPr lang="en-US" dirty="0" smtClean="0"/>
+              <a:t>allow the browser to check the file source to ensure that the code is never loaded if the source has been manipulated</a:t>
+            </a:r>
+            <a:r>
+              <a:rPr lang="en-US" dirty="0" smtClean="0"/>
+              <a:t>.</a:t>
+            </a:r>
+            <a:endParaRPr lang="tr-TR" dirty="0" smtClean="0"/>
+          </a:p>
+          <a:p>
+            <a:r>
+              <a:rPr lang="tr-TR" dirty="0" err="1" smtClean="0"/>
+              <a:t>Crossorigin</a:t>
+            </a:r>
+            <a:r>
+              <a:rPr lang="tr-TR" dirty="0" smtClean="0"/>
+              <a:t> </a:t>
+            </a:r>
+            <a:r>
+              <a:rPr lang="tr-TR" dirty="0" err="1" smtClean="0"/>
+              <a:t>attribute</a:t>
+            </a:r>
+            <a:r>
+              <a:rPr lang="en-US" dirty="0" smtClean="0"/>
+              <a:t> is present when a request is loaded using 'CORS' which is now a requirement of SRI checking when not loaded from the 'same-origin</a:t>
+            </a:r>
+            <a:r>
+              <a:rPr lang="en-US" dirty="0" smtClean="0"/>
+              <a:t>'.</a:t>
+            </a:r>
+            <a:endParaRPr lang="tr-TR" dirty="0" smtClean="0"/>
+          </a:p>
+          <a:p>
+            <a:r>
+              <a:rPr lang="tr-TR" dirty="0" err="1" smtClean="0"/>
+              <a:t>These</a:t>
+            </a:r>
+            <a:r>
+              <a:rPr lang="tr-TR" dirty="0" smtClean="0"/>
+              <a:t> </a:t>
+            </a:r>
+            <a:r>
+              <a:rPr lang="tr-TR" dirty="0" err="1" smtClean="0"/>
+              <a:t>attributes</a:t>
+            </a:r>
+            <a:r>
+              <a:rPr lang="tr-TR" dirty="0" smtClean="0"/>
+              <a:t> </a:t>
+            </a:r>
+            <a:r>
+              <a:rPr lang="tr-TR" dirty="0" err="1" smtClean="0"/>
+              <a:t>helps</a:t>
+            </a:r>
+            <a:r>
+              <a:rPr lang="tr-TR" dirty="0" smtClean="0"/>
+              <a:t> </a:t>
+            </a:r>
+            <a:r>
+              <a:rPr lang="tr-TR" dirty="0" err="1" smtClean="0"/>
+              <a:t>for</a:t>
+            </a:r>
+            <a:r>
+              <a:rPr lang="tr-TR" dirty="0" smtClean="0"/>
+              <a:t> </a:t>
+            </a:r>
+            <a:r>
+              <a:rPr lang="tr-TR" dirty="0" err="1" smtClean="0"/>
+              <a:t>improve</a:t>
+            </a:r>
+            <a:r>
+              <a:rPr lang="tr-TR" dirty="0" smtClean="0"/>
+              <a:t> </a:t>
+            </a:r>
+            <a:r>
+              <a:rPr lang="tr-TR" dirty="0" err="1" smtClean="0"/>
+              <a:t>security</a:t>
+            </a:r>
+            <a:r>
+              <a:rPr lang="tr-TR" dirty="0" smtClean="0"/>
+              <a:t> of web </a:t>
+            </a:r>
+            <a:r>
+              <a:rPr lang="tr-TR" dirty="0" err="1" smtClean="0"/>
+              <a:t>sites</a:t>
+            </a:r>
+            <a:r>
+              <a:rPr lang="tr-TR" dirty="0" smtClean="0"/>
+              <a:t> </a:t>
+            </a:r>
+            <a:r>
+              <a:rPr lang="tr-TR" dirty="0" err="1" smtClean="0"/>
+              <a:t>and</a:t>
+            </a:r>
+            <a:r>
+              <a:rPr lang="tr-TR" dirty="0" smtClean="0"/>
+              <a:t> </a:t>
+            </a:r>
+            <a:r>
+              <a:rPr lang="tr-TR" dirty="0" err="1" smtClean="0"/>
+              <a:t>prevent</a:t>
+            </a:r>
+            <a:r>
+              <a:rPr lang="tr-TR" dirty="0" smtClean="0"/>
+              <a:t> </a:t>
+            </a:r>
+            <a:r>
+              <a:rPr lang="tr-TR" dirty="0" err="1" smtClean="0"/>
+              <a:t>third</a:t>
+            </a:r>
+            <a:r>
+              <a:rPr lang="tr-TR" dirty="0" smtClean="0"/>
+              <a:t>-</a:t>
+            </a:r>
+            <a:r>
+              <a:rPr lang="tr-TR" dirty="0" err="1" smtClean="0"/>
+              <a:t>party</a:t>
+            </a:r>
+            <a:r>
+              <a:rPr lang="tr-TR" dirty="0" smtClean="0"/>
+              <a:t> </a:t>
+            </a:r>
+            <a:r>
+              <a:rPr lang="tr-TR" dirty="0" err="1" smtClean="0"/>
+              <a:t>attacks</a:t>
+            </a:r>
+            <a:r>
+              <a:rPr lang="tr-TR" dirty="0" smtClean="0"/>
+              <a:t>.</a:t>
             </a:r>
             <a:endParaRPr lang="tr-TR" dirty="0"/>
           </a:p>

--- a/homeworks_musab_sakar.pptx
+++ b/homeworks_musab_sakar.pptx
@@ -15,6 +15,11 @@
     <p:sldId id="263" r:id="rId9"/>
     <p:sldId id="264" r:id="rId10"/>
     <p:sldId id="265" r:id="rId11"/>
+    <p:sldId id="266" r:id="rId12"/>
+    <p:sldId id="267" r:id="rId13"/>
+    <p:sldId id="268" r:id="rId14"/>
+    <p:sldId id="269" r:id="rId15"/>
+    <p:sldId id="270" r:id="rId16"/>
   </p:sldIdLst>
   <p:sldSz cx="9144000" cy="6858000" type="screen4x3"/>
   <p:notesSz cx="6858000" cy="9144000"/>
@@ -298,7 +303,7 @@
             <a:fld id="{194CBBFF-B9F9-477E-9B1F-DD9A3FC6F727}" type="datetimeFigureOut">
               <a:rPr lang="tr-TR" smtClean="0"/>
               <a:pPr/>
-              <a:t>30.5.2022</a:t>
+              <a:t>31.5.2022</a:t>
             </a:fld>
             <a:endParaRPr lang="tr-TR"/>
           </a:p>
@@ -465,7 +470,7 @@
             <a:fld id="{194CBBFF-B9F9-477E-9B1F-DD9A3FC6F727}" type="datetimeFigureOut">
               <a:rPr lang="tr-TR" smtClean="0"/>
               <a:pPr/>
-              <a:t>30.5.2022</a:t>
+              <a:t>31.5.2022</a:t>
             </a:fld>
             <a:endParaRPr lang="tr-TR"/>
           </a:p>
@@ -642,7 +647,7 @@
             <a:fld id="{194CBBFF-B9F9-477E-9B1F-DD9A3FC6F727}" type="datetimeFigureOut">
               <a:rPr lang="tr-TR" smtClean="0"/>
               <a:pPr/>
-              <a:t>30.5.2022</a:t>
+              <a:t>31.5.2022</a:t>
             </a:fld>
             <a:endParaRPr lang="tr-TR"/>
           </a:p>
@@ -809,7 +814,7 @@
             <a:fld id="{194CBBFF-B9F9-477E-9B1F-DD9A3FC6F727}" type="datetimeFigureOut">
               <a:rPr lang="tr-TR" smtClean="0"/>
               <a:pPr/>
-              <a:t>30.5.2022</a:t>
+              <a:t>31.5.2022</a:t>
             </a:fld>
             <a:endParaRPr lang="tr-TR"/>
           </a:p>
@@ -1052,7 +1057,7 @@
             <a:fld id="{194CBBFF-B9F9-477E-9B1F-DD9A3FC6F727}" type="datetimeFigureOut">
               <a:rPr lang="tr-TR" smtClean="0"/>
               <a:pPr/>
-              <a:t>30.5.2022</a:t>
+              <a:t>31.5.2022</a:t>
             </a:fld>
             <a:endParaRPr lang="tr-TR"/>
           </a:p>
@@ -1337,7 +1342,7 @@
             <a:fld id="{194CBBFF-B9F9-477E-9B1F-DD9A3FC6F727}" type="datetimeFigureOut">
               <a:rPr lang="tr-TR" smtClean="0"/>
               <a:pPr/>
-              <a:t>30.5.2022</a:t>
+              <a:t>31.5.2022</a:t>
             </a:fld>
             <a:endParaRPr lang="tr-TR"/>
           </a:p>
@@ -1756,7 +1761,7 @@
             <a:fld id="{194CBBFF-B9F9-477E-9B1F-DD9A3FC6F727}" type="datetimeFigureOut">
               <a:rPr lang="tr-TR" smtClean="0"/>
               <a:pPr/>
-              <a:t>30.5.2022</a:t>
+              <a:t>31.5.2022</a:t>
             </a:fld>
             <a:endParaRPr lang="tr-TR"/>
           </a:p>
@@ -1871,7 +1876,7 @@
             <a:fld id="{194CBBFF-B9F9-477E-9B1F-DD9A3FC6F727}" type="datetimeFigureOut">
               <a:rPr lang="tr-TR" smtClean="0"/>
               <a:pPr/>
-              <a:t>30.5.2022</a:t>
+              <a:t>31.5.2022</a:t>
             </a:fld>
             <a:endParaRPr lang="tr-TR"/>
           </a:p>
@@ -1963,7 +1968,7 @@
             <a:fld id="{194CBBFF-B9F9-477E-9B1F-DD9A3FC6F727}" type="datetimeFigureOut">
               <a:rPr lang="tr-TR" smtClean="0"/>
               <a:pPr/>
-              <a:t>30.5.2022</a:t>
+              <a:t>31.5.2022</a:t>
             </a:fld>
             <a:endParaRPr lang="tr-TR"/>
           </a:p>
@@ -2237,7 +2242,7 @@
             <a:fld id="{194CBBFF-B9F9-477E-9B1F-DD9A3FC6F727}" type="datetimeFigureOut">
               <a:rPr lang="tr-TR" smtClean="0"/>
               <a:pPr/>
-              <a:t>30.5.2022</a:t>
+              <a:t>31.5.2022</a:t>
             </a:fld>
             <a:endParaRPr lang="tr-TR"/>
           </a:p>
@@ -2487,7 +2492,7 @@
             <a:fld id="{194CBBFF-B9F9-477E-9B1F-DD9A3FC6F727}" type="datetimeFigureOut">
               <a:rPr lang="tr-TR" smtClean="0"/>
               <a:pPr/>
-              <a:t>30.5.2022</a:t>
+              <a:t>31.5.2022</a:t>
             </a:fld>
             <a:endParaRPr lang="tr-TR"/>
           </a:p>
@@ -2697,7 +2702,7 @@
             <a:fld id="{194CBBFF-B9F9-477E-9B1F-DD9A3FC6F727}" type="datetimeFigureOut">
               <a:rPr lang="tr-TR" smtClean="0"/>
               <a:pPr/>
-              <a:t>30.5.2022</a:t>
+              <a:t>31.5.2022</a:t>
             </a:fld>
             <a:endParaRPr lang="tr-TR"/>
           </a:p>
@@ -3348,6 +3353,1660 @@
 </p:sld>
 </file>
 
+<file path=ppt/slides/slide11.xml><?xml version="1.0" encoding="utf-8"?>
+<p:sld xmlns:a="http://schemas.openxmlformats.org/drawingml/2006/main" xmlns:r="http://schemas.openxmlformats.org/officeDocument/2006/relationships" xmlns:p="http://schemas.openxmlformats.org/presentationml/2006/main">
+  <p:cSld>
+    <p:spTree>
+      <p:nvGrpSpPr>
+        <p:cNvPr id="1" name=""/>
+        <p:cNvGrpSpPr/>
+        <p:nvPr/>
+      </p:nvGrpSpPr>
+      <p:grpSpPr>
+        <a:xfrm>
+          <a:off x="0" y="0"/>
+          <a:ext cx="0" cy="0"/>
+          <a:chOff x="0" y="0"/>
+          <a:chExt cx="0" cy="0"/>
+        </a:xfrm>
+      </p:grpSpPr>
+      <p:sp>
+        <p:nvSpPr>
+          <p:cNvPr id="2" name="1 Başlık"/>
+          <p:cNvSpPr>
+            <a:spLocks noGrp="1"/>
+          </p:cNvSpPr>
+          <p:nvPr>
+            <p:ph type="title"/>
+          </p:nvPr>
+        </p:nvSpPr>
+        <p:spPr/>
+        <p:txBody>
+          <a:bodyPr/>
+          <a:lstStyle/>
+          <a:p>
+            <a:r>
+              <a:rPr lang="tr-TR" dirty="0" err="1" smtClean="0"/>
+              <a:t>Text</a:t>
+            </a:r>
+            <a:r>
+              <a:rPr lang="tr-TR" dirty="0" smtClean="0"/>
+              <a:t>-</a:t>
+            </a:r>
+            <a:r>
+              <a:rPr lang="tr-TR" dirty="0" err="1" smtClean="0"/>
+              <a:t>reset</a:t>
+            </a:r>
+            <a:endParaRPr lang="tr-TR" dirty="0"/>
+          </a:p>
+        </p:txBody>
+      </p:sp>
+      <p:sp>
+        <p:nvSpPr>
+          <p:cNvPr id="3" name="2 İçerik Yer Tutucusu"/>
+          <p:cNvSpPr>
+            <a:spLocks noGrp="1"/>
+          </p:cNvSpPr>
+          <p:nvPr>
+            <p:ph idx="1"/>
+          </p:nvPr>
+        </p:nvSpPr>
+        <p:spPr/>
+        <p:txBody>
+          <a:bodyPr/>
+          <a:lstStyle/>
+          <a:p>
+            <a:r>
+              <a:rPr lang="tr-TR" dirty="0" err="1" smtClean="0"/>
+              <a:t>By</a:t>
+            </a:r>
+            <a:r>
+              <a:rPr lang="tr-TR" dirty="0" smtClean="0"/>
+              <a:t> </a:t>
+            </a:r>
+            <a:r>
+              <a:rPr lang="tr-TR" dirty="0" err="1" smtClean="0"/>
+              <a:t>using</a:t>
+            </a:r>
+            <a:r>
+              <a:rPr lang="tr-TR" dirty="0" smtClean="0"/>
+              <a:t> </a:t>
+            </a:r>
+            <a:r>
+              <a:rPr lang="tr-TR" dirty="0" err="1" smtClean="0"/>
+              <a:t>text</a:t>
+            </a:r>
+            <a:r>
+              <a:rPr lang="tr-TR" dirty="0" smtClean="0"/>
+              <a:t>-</a:t>
+            </a:r>
+            <a:r>
+              <a:rPr lang="tr-TR" dirty="0" err="1" smtClean="0"/>
+              <a:t>reset</a:t>
+            </a:r>
+            <a:r>
+              <a:rPr lang="tr-TR" dirty="0" smtClean="0"/>
+              <a:t> </a:t>
+            </a:r>
+            <a:r>
+              <a:rPr lang="tr-TR" dirty="0" err="1" smtClean="0"/>
+              <a:t>class</a:t>
+            </a:r>
+            <a:r>
+              <a:rPr lang="tr-TR" dirty="0" smtClean="0"/>
+              <a:t> in a </a:t>
+            </a:r>
+            <a:r>
+              <a:rPr lang="tr-TR" dirty="0" err="1" smtClean="0"/>
+              <a:t>text</a:t>
+            </a:r>
+            <a:r>
+              <a:rPr lang="tr-TR" dirty="0" smtClean="0"/>
+              <a:t> </a:t>
+            </a:r>
+            <a:r>
+              <a:rPr lang="tr-TR" dirty="0" err="1" smtClean="0"/>
+              <a:t>or</a:t>
+            </a:r>
+            <a:r>
+              <a:rPr lang="tr-TR" dirty="0" smtClean="0"/>
+              <a:t> link, </a:t>
+            </a:r>
+            <a:r>
+              <a:rPr lang="tr-TR" dirty="0" err="1" smtClean="0"/>
+              <a:t>we</a:t>
+            </a:r>
+            <a:r>
+              <a:rPr lang="tr-TR" dirty="0" smtClean="0"/>
+              <a:t> can </a:t>
+            </a:r>
+            <a:r>
+              <a:rPr lang="tr-TR" dirty="0" err="1" smtClean="0"/>
+              <a:t>reset</a:t>
+            </a:r>
+            <a:r>
+              <a:rPr lang="tr-TR" dirty="0" smtClean="0"/>
+              <a:t> </a:t>
+            </a:r>
+            <a:r>
+              <a:rPr lang="tr-TR" dirty="0" err="1" smtClean="0"/>
+              <a:t>the</a:t>
+            </a:r>
+            <a:r>
+              <a:rPr lang="tr-TR" dirty="0" smtClean="0"/>
+              <a:t> </a:t>
+            </a:r>
+            <a:r>
+              <a:rPr lang="tr-TR" dirty="0" err="1" smtClean="0"/>
+              <a:t>color</a:t>
+            </a:r>
+            <a:r>
+              <a:rPr lang="tr-TR" dirty="0" smtClean="0"/>
+              <a:t> </a:t>
+            </a:r>
+            <a:r>
+              <a:rPr lang="tr-TR" dirty="0" err="1" smtClean="0"/>
+              <a:t>value</a:t>
+            </a:r>
+            <a:r>
+              <a:rPr lang="tr-TR" dirty="0" smtClean="0"/>
+              <a:t> </a:t>
+            </a:r>
+            <a:r>
+              <a:rPr lang="tr-TR" dirty="0" err="1" smtClean="0"/>
+              <a:t>and</a:t>
+            </a:r>
+            <a:r>
+              <a:rPr lang="tr-TR" dirty="0" smtClean="0"/>
+              <a:t> </a:t>
+            </a:r>
+            <a:r>
+              <a:rPr lang="en-US" dirty="0" smtClean="0"/>
+              <a:t>get the parent color </a:t>
+            </a:r>
+            <a:r>
+              <a:rPr lang="tr-TR" dirty="0" err="1" smtClean="0"/>
+              <a:t>value</a:t>
+            </a:r>
+            <a:r>
+              <a:rPr lang="en-US" dirty="0" smtClean="0"/>
+              <a:t> to be retrieved.</a:t>
+            </a:r>
+            <a:endParaRPr lang="tr-TR" dirty="0"/>
+          </a:p>
+        </p:txBody>
+      </p:sp>
+    </p:spTree>
+  </p:cSld>
+  <p:clrMapOvr>
+    <a:masterClrMapping/>
+  </p:clrMapOvr>
+</p:sld>
+</file>
+
+<file path=ppt/slides/slide12.xml><?xml version="1.0" encoding="utf-8"?>
+<p:sld xmlns:a="http://schemas.openxmlformats.org/drawingml/2006/main" xmlns:r="http://schemas.openxmlformats.org/officeDocument/2006/relationships" xmlns:p="http://schemas.openxmlformats.org/presentationml/2006/main">
+  <p:cSld>
+    <p:spTree>
+      <p:nvGrpSpPr>
+        <p:cNvPr id="1" name=""/>
+        <p:cNvGrpSpPr/>
+        <p:nvPr/>
+      </p:nvGrpSpPr>
+      <p:grpSpPr>
+        <a:xfrm>
+          <a:off x="0" y="0"/>
+          <a:ext cx="0" cy="0"/>
+          <a:chOff x="0" y="0"/>
+          <a:chExt cx="0" cy="0"/>
+        </a:xfrm>
+      </p:grpSpPr>
+      <p:sp>
+        <p:nvSpPr>
+          <p:cNvPr id="2" name="1 Başlık"/>
+          <p:cNvSpPr>
+            <a:spLocks noGrp="1"/>
+          </p:cNvSpPr>
+          <p:nvPr>
+            <p:ph type="title"/>
+          </p:nvPr>
+        </p:nvSpPr>
+        <p:spPr/>
+        <p:txBody>
+          <a:bodyPr/>
+          <a:lstStyle/>
+          <a:p>
+            <a:r>
+              <a:rPr lang="tr-TR" dirty="0" smtClean="0"/>
+              <a:t>Unicode </a:t>
+            </a:r>
+            <a:r>
+              <a:rPr lang="tr-TR" dirty="0" err="1" smtClean="0"/>
+              <a:t>Ampersand</a:t>
+            </a:r>
+            <a:r>
+              <a:rPr lang="tr-TR" dirty="0" smtClean="0"/>
+              <a:t> </a:t>
+            </a:r>
+            <a:r>
+              <a:rPr lang="tr-TR" dirty="0" err="1" smtClean="0"/>
+              <a:t>Usage</a:t>
+            </a:r>
+            <a:endParaRPr lang="tr-TR" dirty="0"/>
+          </a:p>
+        </p:txBody>
+      </p:sp>
+      <p:sp>
+        <p:nvSpPr>
+          <p:cNvPr id="3" name="2 İçerik Yer Tutucusu"/>
+          <p:cNvSpPr>
+            <a:spLocks noGrp="1"/>
+          </p:cNvSpPr>
+          <p:nvPr>
+            <p:ph idx="1"/>
+          </p:nvPr>
+        </p:nvSpPr>
+        <p:spPr/>
+        <p:txBody>
+          <a:bodyPr/>
+          <a:lstStyle/>
+          <a:p>
+            <a:r>
+              <a:rPr lang="tr-TR" dirty="0" err="1" smtClean="0"/>
+              <a:t>In</a:t>
+            </a:r>
+            <a:r>
+              <a:rPr lang="tr-TR" dirty="0" smtClean="0"/>
+              <a:t> </a:t>
+            </a:r>
+            <a:r>
+              <a:rPr lang="tr-TR" dirty="0" err="1" smtClean="0"/>
+              <a:t>unicode</a:t>
+            </a:r>
+            <a:r>
+              <a:rPr lang="tr-TR" dirty="0" smtClean="0"/>
+              <a:t>, “&amp;” </a:t>
+            </a:r>
+            <a:r>
+              <a:rPr lang="tr-TR" dirty="0" err="1" smtClean="0"/>
+              <a:t>character</a:t>
+            </a:r>
+            <a:r>
+              <a:rPr lang="tr-TR" dirty="0" smtClean="0"/>
+              <a:t> </a:t>
+            </a:r>
+            <a:r>
+              <a:rPr lang="tr-TR" dirty="0" err="1" smtClean="0"/>
+              <a:t>declares</a:t>
+            </a:r>
+            <a:r>
+              <a:rPr lang="tr-TR" dirty="0" smtClean="0"/>
+              <a:t> </a:t>
+            </a:r>
+            <a:r>
+              <a:rPr lang="tr-TR" dirty="0" err="1" smtClean="0"/>
+              <a:t>the</a:t>
+            </a:r>
+            <a:r>
+              <a:rPr lang="tr-TR" dirty="0" smtClean="0"/>
+              <a:t> </a:t>
+            </a:r>
+            <a:r>
+              <a:rPr lang="tr-TR" dirty="0" err="1" smtClean="0"/>
+              <a:t>beginning</a:t>
+            </a:r>
+            <a:r>
+              <a:rPr lang="tr-TR" dirty="0" smtClean="0"/>
+              <a:t> of a </a:t>
+            </a:r>
+            <a:r>
+              <a:rPr lang="tr-TR" dirty="0" err="1" smtClean="0"/>
+              <a:t>special</a:t>
+            </a:r>
+            <a:r>
+              <a:rPr lang="tr-TR" dirty="0" smtClean="0"/>
+              <a:t> </a:t>
+            </a:r>
+            <a:r>
+              <a:rPr lang="tr-TR" dirty="0" err="1" smtClean="0"/>
+              <a:t>character</a:t>
+            </a:r>
+            <a:r>
+              <a:rPr lang="tr-TR" dirty="0" smtClean="0"/>
+              <a:t> </a:t>
+            </a:r>
+            <a:r>
+              <a:rPr lang="tr-TR" dirty="0" err="1" smtClean="0"/>
+              <a:t>which</a:t>
+            </a:r>
+            <a:r>
+              <a:rPr lang="tr-TR" dirty="0" smtClean="0"/>
+              <a:t> </a:t>
+            </a:r>
+            <a:r>
+              <a:rPr lang="tr-TR" dirty="0" err="1" smtClean="0"/>
+              <a:t>are</a:t>
+            </a:r>
+            <a:r>
+              <a:rPr lang="tr-TR" dirty="0" smtClean="0"/>
+              <a:t> not </a:t>
+            </a:r>
+            <a:r>
+              <a:rPr lang="tr-TR" dirty="0" err="1" smtClean="0"/>
+              <a:t>present</a:t>
+            </a:r>
+            <a:r>
+              <a:rPr lang="tr-TR" dirty="0" smtClean="0"/>
+              <a:t> in </a:t>
+            </a:r>
+            <a:r>
+              <a:rPr lang="tr-TR" dirty="0" err="1" smtClean="0"/>
+              <a:t>keyboard</a:t>
+            </a:r>
+            <a:r>
+              <a:rPr lang="tr-TR" dirty="0" smtClean="0"/>
+              <a:t> </a:t>
+            </a:r>
+            <a:r>
+              <a:rPr lang="tr-TR" dirty="0" err="1" smtClean="0"/>
+              <a:t>like</a:t>
+            </a:r>
+            <a:r>
+              <a:rPr lang="tr-TR" dirty="0" smtClean="0"/>
+              <a:t> “€, ©, ®”.</a:t>
+            </a:r>
+            <a:endParaRPr lang="tr-TR" dirty="0"/>
+          </a:p>
+        </p:txBody>
+      </p:sp>
+    </p:spTree>
+  </p:cSld>
+  <p:clrMapOvr>
+    <a:masterClrMapping/>
+  </p:clrMapOvr>
+</p:sld>
+</file>
+
+<file path=ppt/slides/slide13.xml><?xml version="1.0" encoding="utf-8"?>
+<p:sld xmlns:a="http://schemas.openxmlformats.org/drawingml/2006/main" xmlns:r="http://schemas.openxmlformats.org/officeDocument/2006/relationships" xmlns:p="http://schemas.openxmlformats.org/presentationml/2006/main">
+  <p:cSld>
+    <p:spTree>
+      <p:nvGrpSpPr>
+        <p:cNvPr id="1" name=""/>
+        <p:cNvGrpSpPr/>
+        <p:nvPr/>
+      </p:nvGrpSpPr>
+      <p:grpSpPr>
+        <a:xfrm>
+          <a:off x="0" y="0"/>
+          <a:ext cx="0" cy="0"/>
+          <a:chOff x="0" y="0"/>
+          <a:chExt cx="0" cy="0"/>
+        </a:xfrm>
+      </p:grpSpPr>
+      <p:sp>
+        <p:nvSpPr>
+          <p:cNvPr id="2" name="1 Başlık"/>
+          <p:cNvSpPr>
+            <a:spLocks noGrp="1"/>
+          </p:cNvSpPr>
+          <p:nvPr>
+            <p:ph type="title"/>
+          </p:nvPr>
+        </p:nvSpPr>
+        <p:spPr/>
+        <p:txBody>
+          <a:bodyPr/>
+          <a:lstStyle/>
+          <a:p>
+            <a:r>
+              <a:rPr lang="tr-TR" dirty="0" smtClean="0"/>
+              <a:t>Background vs </a:t>
+            </a:r>
+            <a:r>
+              <a:rPr lang="tr-TR" dirty="0" err="1" smtClean="0"/>
+              <a:t>Backround</a:t>
+            </a:r>
+            <a:r>
+              <a:rPr lang="tr-TR" dirty="0" smtClean="0"/>
+              <a:t>-</a:t>
+            </a:r>
+            <a:r>
+              <a:rPr lang="tr-TR" dirty="0" err="1" smtClean="0"/>
+              <a:t>color</a:t>
+            </a:r>
+            <a:endParaRPr lang="tr-TR" dirty="0"/>
+          </a:p>
+        </p:txBody>
+      </p:sp>
+      <p:sp>
+        <p:nvSpPr>
+          <p:cNvPr id="3" name="2 İçerik Yer Tutucusu"/>
+          <p:cNvSpPr>
+            <a:spLocks noGrp="1"/>
+          </p:cNvSpPr>
+          <p:nvPr>
+            <p:ph idx="1"/>
+          </p:nvPr>
+        </p:nvSpPr>
+        <p:spPr/>
+        <p:txBody>
+          <a:bodyPr>
+            <a:normAutofit fontScale="92500" lnSpcReduction="20000"/>
+          </a:bodyPr>
+          <a:lstStyle/>
+          <a:p>
+            <a:r>
+              <a:rPr lang="tr-TR" dirty="0" err="1" smtClean="0"/>
+              <a:t>In</a:t>
+            </a:r>
+            <a:r>
+              <a:rPr lang="tr-TR" dirty="0" smtClean="0"/>
+              <a:t> CSS, </a:t>
+            </a:r>
+            <a:r>
+              <a:rPr lang="tr-TR" dirty="0" err="1" smtClean="0"/>
+              <a:t>backround</a:t>
+            </a:r>
+            <a:r>
+              <a:rPr lang="tr-TR" dirty="0" smtClean="0"/>
+              <a:t>-</a:t>
+            </a:r>
+            <a:r>
+              <a:rPr lang="tr-TR" dirty="0" err="1" smtClean="0"/>
+              <a:t>color</a:t>
+            </a:r>
+            <a:r>
+              <a:rPr lang="tr-TR" dirty="0" smtClean="0"/>
+              <a:t> is a </a:t>
+            </a:r>
+            <a:r>
+              <a:rPr lang="tr-TR" dirty="0" err="1" smtClean="0"/>
+              <a:t>individual</a:t>
+            </a:r>
+            <a:r>
+              <a:rPr lang="tr-TR" dirty="0" smtClean="0"/>
+              <a:t> </a:t>
+            </a:r>
+            <a:r>
+              <a:rPr lang="tr-TR" dirty="0" err="1" smtClean="0"/>
+              <a:t>property</a:t>
+            </a:r>
+            <a:r>
+              <a:rPr lang="tr-TR" dirty="0" smtClean="0"/>
+              <a:t> </a:t>
+            </a:r>
+            <a:r>
+              <a:rPr lang="tr-TR" dirty="0" err="1" smtClean="0"/>
+              <a:t>which</a:t>
+            </a:r>
+            <a:r>
+              <a:rPr lang="tr-TR" dirty="0" smtClean="0"/>
+              <a:t> is </a:t>
+            </a:r>
+            <a:r>
+              <a:rPr lang="tr-TR" dirty="0" err="1" smtClean="0"/>
+              <a:t>only</a:t>
+            </a:r>
+            <a:r>
+              <a:rPr lang="tr-TR" dirty="0" smtClean="0"/>
+              <a:t> set </a:t>
+            </a:r>
+            <a:r>
+              <a:rPr lang="tr-TR" dirty="0" err="1" smtClean="0"/>
+              <a:t>the</a:t>
+            </a:r>
+            <a:r>
+              <a:rPr lang="tr-TR" dirty="0" smtClean="0"/>
+              <a:t> </a:t>
+            </a:r>
+            <a:r>
+              <a:rPr lang="tr-TR" dirty="0" err="1" smtClean="0"/>
+              <a:t>backround</a:t>
+            </a:r>
+            <a:r>
+              <a:rPr lang="tr-TR" dirty="0" smtClean="0"/>
+              <a:t> </a:t>
+            </a:r>
+            <a:r>
+              <a:rPr lang="tr-TR" dirty="0" err="1" smtClean="0"/>
+              <a:t>color</a:t>
+            </a:r>
+            <a:r>
+              <a:rPr lang="tr-TR" dirty="0" smtClean="0"/>
+              <a:t>.</a:t>
+            </a:r>
+          </a:p>
+          <a:p>
+            <a:r>
+              <a:rPr lang="tr-TR" dirty="0" smtClean="0"/>
+              <a:t>On </a:t>
+            </a:r>
+            <a:r>
+              <a:rPr lang="tr-TR" dirty="0" err="1" smtClean="0"/>
+              <a:t>the</a:t>
+            </a:r>
+            <a:r>
+              <a:rPr lang="tr-TR" dirty="0" smtClean="0"/>
+              <a:t> </a:t>
+            </a:r>
+            <a:r>
+              <a:rPr lang="tr-TR" dirty="0" err="1" smtClean="0"/>
+              <a:t>other</a:t>
+            </a:r>
+            <a:r>
+              <a:rPr lang="tr-TR" dirty="0" smtClean="0"/>
+              <a:t> </a:t>
+            </a:r>
+            <a:r>
+              <a:rPr lang="tr-TR" dirty="0" err="1" smtClean="0"/>
+              <a:t>hand</a:t>
+            </a:r>
+            <a:r>
+              <a:rPr lang="tr-TR" dirty="0" smtClean="0"/>
+              <a:t>, </a:t>
+            </a:r>
+            <a:r>
+              <a:rPr lang="tr-TR" dirty="0" err="1" smtClean="0"/>
+              <a:t>backround</a:t>
+            </a:r>
+            <a:r>
+              <a:rPr lang="tr-TR" dirty="0" smtClean="0"/>
+              <a:t> is a </a:t>
+            </a:r>
+            <a:r>
+              <a:rPr lang="tr-TR" dirty="0" err="1" smtClean="0"/>
+              <a:t>short</a:t>
+            </a:r>
+            <a:r>
+              <a:rPr lang="tr-TR" dirty="0" smtClean="0"/>
+              <a:t> form </a:t>
+            </a:r>
+            <a:r>
+              <a:rPr lang="tr-TR" dirty="0" err="1" smtClean="0"/>
+              <a:t>which</a:t>
+            </a:r>
+            <a:r>
+              <a:rPr lang="tr-TR" dirty="0" smtClean="0"/>
+              <a:t> </a:t>
+            </a:r>
+            <a:r>
+              <a:rPr lang="tr-TR" dirty="0" err="1" smtClean="0"/>
+              <a:t>contains</a:t>
+            </a:r>
+            <a:r>
+              <a:rPr lang="tr-TR" dirty="0" smtClean="0"/>
+              <a:t> </a:t>
+            </a:r>
+            <a:r>
+              <a:rPr lang="en-US" dirty="0" smtClean="0"/>
+              <a:t>several background properties like background-position, background-size</a:t>
+            </a:r>
+            <a:r>
+              <a:rPr lang="tr-TR" dirty="0" smtClean="0"/>
+              <a:t>, </a:t>
+            </a:r>
+            <a:r>
+              <a:rPr lang="tr-TR" dirty="0" err="1" smtClean="0"/>
+              <a:t>etc</a:t>
+            </a:r>
+            <a:r>
+              <a:rPr lang="tr-TR" dirty="0" smtClean="0"/>
+              <a:t>.</a:t>
+            </a:r>
+          </a:p>
+          <a:p>
+            <a:r>
+              <a:rPr lang="tr-TR" dirty="0" err="1" smtClean="0"/>
+              <a:t>If</a:t>
+            </a:r>
+            <a:r>
+              <a:rPr lang="tr-TR" dirty="0" smtClean="0"/>
+              <a:t> </a:t>
+            </a:r>
+            <a:r>
+              <a:rPr lang="tr-TR" dirty="0" err="1" smtClean="0"/>
+              <a:t>we</a:t>
+            </a:r>
+            <a:r>
+              <a:rPr lang="tr-TR" dirty="0" smtClean="0"/>
+              <a:t> </a:t>
+            </a:r>
+            <a:r>
+              <a:rPr lang="tr-TR" dirty="0" err="1" smtClean="0"/>
+              <a:t>want</a:t>
+            </a:r>
+            <a:r>
+              <a:rPr lang="tr-TR" dirty="0" smtClean="0"/>
+              <a:t> </a:t>
+            </a:r>
+            <a:r>
+              <a:rPr lang="tr-TR" dirty="0" err="1" smtClean="0"/>
+              <a:t>to</a:t>
+            </a:r>
+            <a:r>
+              <a:rPr lang="tr-TR" dirty="0" smtClean="0"/>
+              <a:t> set </a:t>
+            </a:r>
+            <a:r>
+              <a:rPr lang="tr-TR" dirty="0" err="1" smtClean="0"/>
+              <a:t>only</a:t>
+            </a:r>
+            <a:r>
+              <a:rPr lang="tr-TR" dirty="0" smtClean="0"/>
+              <a:t> </a:t>
+            </a:r>
+            <a:r>
+              <a:rPr lang="tr-TR" dirty="0" err="1" smtClean="0"/>
+              <a:t>the</a:t>
+            </a:r>
+            <a:r>
+              <a:rPr lang="tr-TR" dirty="0" smtClean="0"/>
+              <a:t> background </a:t>
+            </a:r>
+            <a:r>
+              <a:rPr lang="tr-TR" dirty="0" err="1" smtClean="0"/>
+              <a:t>color</a:t>
+            </a:r>
+            <a:r>
+              <a:rPr lang="tr-TR" dirty="0" smtClean="0"/>
+              <a:t>, </a:t>
+            </a:r>
+            <a:r>
+              <a:rPr lang="tr-TR" dirty="0" err="1" smtClean="0"/>
+              <a:t>we</a:t>
+            </a:r>
+            <a:r>
+              <a:rPr lang="tr-TR" dirty="0" smtClean="0"/>
+              <a:t> </a:t>
+            </a:r>
+            <a:r>
+              <a:rPr lang="tr-TR" dirty="0" err="1" smtClean="0"/>
+              <a:t>need</a:t>
+            </a:r>
+            <a:r>
+              <a:rPr lang="tr-TR" dirty="0" smtClean="0"/>
+              <a:t> </a:t>
+            </a:r>
+            <a:r>
+              <a:rPr lang="tr-TR" dirty="0" err="1" smtClean="0"/>
+              <a:t>to</a:t>
+            </a:r>
+            <a:r>
+              <a:rPr lang="tr-TR" dirty="0" smtClean="0"/>
+              <a:t> </a:t>
+            </a:r>
+            <a:r>
+              <a:rPr lang="tr-TR" dirty="0" err="1" smtClean="0"/>
+              <a:t>use</a:t>
+            </a:r>
+            <a:r>
+              <a:rPr lang="tr-TR" dirty="0" smtClean="0"/>
+              <a:t> background-</a:t>
+            </a:r>
+            <a:r>
+              <a:rPr lang="tr-TR" dirty="0" err="1" smtClean="0"/>
+              <a:t>color</a:t>
+            </a:r>
+            <a:r>
+              <a:rPr lang="tr-TR" dirty="0" smtClean="0"/>
+              <a:t> </a:t>
+            </a:r>
+            <a:r>
+              <a:rPr lang="tr-TR" dirty="0" err="1" smtClean="0"/>
+              <a:t>because</a:t>
+            </a:r>
+            <a:r>
+              <a:rPr lang="tr-TR" dirty="0" smtClean="0"/>
+              <a:t> </a:t>
+            </a:r>
+            <a:r>
+              <a:rPr lang="tr-TR" dirty="0" err="1" smtClean="0"/>
+              <a:t>when</a:t>
+            </a:r>
+            <a:r>
+              <a:rPr lang="tr-TR" dirty="0" smtClean="0"/>
+              <a:t> </a:t>
+            </a:r>
+            <a:r>
+              <a:rPr lang="tr-TR" dirty="0" err="1" smtClean="0"/>
+              <a:t>we</a:t>
+            </a:r>
+            <a:r>
+              <a:rPr lang="tr-TR" dirty="0" smtClean="0"/>
+              <a:t> </a:t>
+            </a:r>
+            <a:r>
+              <a:rPr lang="tr-TR" dirty="0" err="1" smtClean="0"/>
+              <a:t>use</a:t>
+            </a:r>
+            <a:r>
+              <a:rPr lang="tr-TR" dirty="0" smtClean="0"/>
+              <a:t> background, </a:t>
+            </a:r>
+            <a:r>
+              <a:rPr lang="tr-TR" dirty="0" err="1" smtClean="0"/>
+              <a:t>we</a:t>
+            </a:r>
+            <a:r>
+              <a:rPr lang="tr-TR" dirty="0" smtClean="0"/>
+              <a:t> </a:t>
+            </a:r>
+            <a:r>
+              <a:rPr lang="tr-TR" dirty="0" err="1" smtClean="0"/>
+              <a:t>also</a:t>
+            </a:r>
+            <a:r>
+              <a:rPr lang="tr-TR" dirty="0" smtClean="0"/>
+              <a:t> set </a:t>
+            </a:r>
+            <a:r>
+              <a:rPr lang="tr-TR" dirty="0" err="1" smtClean="0"/>
+              <a:t>other</a:t>
+            </a:r>
+            <a:r>
+              <a:rPr lang="tr-TR" dirty="0" smtClean="0"/>
+              <a:t> background </a:t>
+            </a:r>
+            <a:r>
+              <a:rPr lang="tr-TR" dirty="0" err="1" smtClean="0"/>
+              <a:t>properties</a:t>
+            </a:r>
+            <a:r>
+              <a:rPr lang="tr-TR" dirty="0" smtClean="0"/>
+              <a:t> </a:t>
+            </a:r>
+            <a:r>
+              <a:rPr lang="tr-TR" dirty="0" err="1" smtClean="0"/>
+              <a:t>which</a:t>
+            </a:r>
+            <a:r>
+              <a:rPr lang="tr-TR" dirty="0" smtClean="0"/>
+              <a:t> </a:t>
+            </a:r>
+            <a:r>
+              <a:rPr lang="tr-TR" dirty="0" err="1" smtClean="0"/>
+              <a:t>backround</a:t>
+            </a:r>
+            <a:r>
+              <a:rPr lang="tr-TR" dirty="0" smtClean="0"/>
+              <a:t> </a:t>
+            </a:r>
+            <a:r>
+              <a:rPr lang="tr-TR" dirty="0" err="1" smtClean="0"/>
+              <a:t>contains</a:t>
+            </a:r>
+            <a:r>
+              <a:rPr lang="tr-TR" dirty="0" smtClean="0"/>
+              <a:t> </a:t>
+            </a:r>
+            <a:r>
+              <a:rPr lang="tr-TR" dirty="0" err="1" smtClean="0"/>
+              <a:t>to</a:t>
+            </a:r>
+            <a:r>
+              <a:rPr lang="tr-TR" dirty="0" smtClean="0"/>
+              <a:t> </a:t>
+            </a:r>
+            <a:r>
+              <a:rPr lang="tr-TR" dirty="0" err="1" smtClean="0"/>
+              <a:t>default</a:t>
+            </a:r>
+            <a:r>
+              <a:rPr lang="tr-TR" dirty="0" smtClean="0"/>
+              <a:t>. </a:t>
+            </a:r>
+            <a:r>
+              <a:rPr lang="tr-TR" dirty="0" err="1" smtClean="0"/>
+              <a:t>Therefore</a:t>
+            </a:r>
+            <a:r>
+              <a:rPr lang="tr-TR" dirty="0" smtClean="0"/>
+              <a:t>, it </a:t>
+            </a:r>
+            <a:r>
+              <a:rPr lang="tr-TR" dirty="0" err="1" smtClean="0"/>
+              <a:t>will</a:t>
+            </a:r>
+            <a:r>
+              <a:rPr lang="tr-TR" dirty="0" smtClean="0"/>
+              <a:t> </a:t>
+            </a:r>
+            <a:r>
+              <a:rPr lang="tr-TR" dirty="0" err="1" smtClean="0"/>
+              <a:t>reset</a:t>
+            </a:r>
+            <a:r>
+              <a:rPr lang="tr-TR" dirty="0" smtClean="0"/>
+              <a:t> </a:t>
+            </a:r>
+            <a:r>
+              <a:rPr lang="tr-TR" dirty="0" err="1" smtClean="0"/>
+              <a:t>our</a:t>
+            </a:r>
+            <a:r>
+              <a:rPr lang="tr-TR" dirty="0" smtClean="0"/>
+              <a:t> </a:t>
+            </a:r>
+            <a:r>
+              <a:rPr lang="tr-TR" dirty="0" err="1" smtClean="0"/>
+              <a:t>existing</a:t>
+            </a:r>
+            <a:r>
+              <a:rPr lang="tr-TR" dirty="0" smtClean="0"/>
+              <a:t> background </a:t>
+            </a:r>
+            <a:r>
+              <a:rPr lang="tr-TR" dirty="0" err="1" smtClean="0"/>
+              <a:t>properties</a:t>
+            </a:r>
+            <a:r>
+              <a:rPr lang="tr-TR" dirty="0" smtClean="0"/>
+              <a:t>.</a:t>
+            </a:r>
+            <a:endParaRPr lang="tr-TR" dirty="0"/>
+          </a:p>
+        </p:txBody>
+      </p:sp>
+    </p:spTree>
+  </p:cSld>
+  <p:clrMapOvr>
+    <a:masterClrMapping/>
+  </p:clrMapOvr>
+</p:sld>
+</file>
+
+<file path=ppt/slides/slide14.xml><?xml version="1.0" encoding="utf-8"?>
+<p:sld xmlns:a="http://schemas.openxmlformats.org/drawingml/2006/main" xmlns:r="http://schemas.openxmlformats.org/officeDocument/2006/relationships" xmlns:p="http://schemas.openxmlformats.org/presentationml/2006/main">
+  <p:cSld>
+    <p:spTree>
+      <p:nvGrpSpPr>
+        <p:cNvPr id="1" name=""/>
+        <p:cNvGrpSpPr/>
+        <p:nvPr/>
+      </p:nvGrpSpPr>
+      <p:grpSpPr>
+        <a:xfrm>
+          <a:off x="0" y="0"/>
+          <a:ext cx="0" cy="0"/>
+          <a:chOff x="0" y="0"/>
+          <a:chExt cx="0" cy="0"/>
+        </a:xfrm>
+      </p:grpSpPr>
+      <p:sp>
+        <p:nvSpPr>
+          <p:cNvPr id="2" name="1 Başlık"/>
+          <p:cNvSpPr>
+            <a:spLocks noGrp="1"/>
+          </p:cNvSpPr>
+          <p:nvPr>
+            <p:ph type="title"/>
+          </p:nvPr>
+        </p:nvSpPr>
+        <p:spPr/>
+        <p:txBody>
+          <a:bodyPr/>
+          <a:lstStyle/>
+          <a:p>
+            <a:r>
+              <a:rPr lang="tr-TR" dirty="0" err="1" smtClean="0"/>
+              <a:t>Fast</a:t>
+            </a:r>
+            <a:r>
+              <a:rPr lang="tr-TR" dirty="0" smtClean="0"/>
+              <a:t>-</a:t>
+            </a:r>
+            <a:r>
+              <a:rPr lang="tr-TR" dirty="0" err="1" smtClean="0"/>
+              <a:t>forward</a:t>
+            </a:r>
+            <a:r>
+              <a:rPr lang="tr-TR" dirty="0" smtClean="0"/>
+              <a:t> vs </a:t>
+            </a:r>
+            <a:r>
+              <a:rPr lang="tr-TR" dirty="0" err="1" smtClean="0"/>
+              <a:t>Rebase</a:t>
+            </a:r>
+            <a:endParaRPr lang="tr-TR" dirty="0"/>
+          </a:p>
+        </p:txBody>
+      </p:sp>
+      <p:sp>
+        <p:nvSpPr>
+          <p:cNvPr id="3" name="2 İçerik Yer Tutucusu"/>
+          <p:cNvSpPr>
+            <a:spLocks noGrp="1"/>
+          </p:cNvSpPr>
+          <p:nvPr>
+            <p:ph idx="1"/>
+          </p:nvPr>
+        </p:nvSpPr>
+        <p:spPr/>
+        <p:txBody>
+          <a:bodyPr>
+            <a:normAutofit fontScale="77500" lnSpcReduction="20000"/>
+          </a:bodyPr>
+          <a:lstStyle/>
+          <a:p>
+            <a:r>
+              <a:rPr lang="tr-TR" dirty="0" err="1" smtClean="0"/>
+              <a:t>Fast</a:t>
+            </a:r>
+            <a:r>
+              <a:rPr lang="tr-TR" dirty="0" smtClean="0"/>
+              <a:t>-</a:t>
+            </a:r>
+            <a:r>
+              <a:rPr lang="tr-TR" dirty="0" err="1" smtClean="0"/>
+              <a:t>forward</a:t>
+            </a:r>
+            <a:r>
+              <a:rPr lang="tr-TR" dirty="0" smtClean="0"/>
+              <a:t>(</a:t>
+            </a:r>
+            <a:r>
+              <a:rPr lang="tr-TR" dirty="0" err="1" smtClean="0"/>
+              <a:t>also</a:t>
+            </a:r>
+            <a:r>
+              <a:rPr lang="tr-TR" dirty="0" smtClean="0"/>
+              <a:t> </a:t>
+            </a:r>
+            <a:r>
+              <a:rPr lang="tr-TR" dirty="0" err="1" smtClean="0"/>
+              <a:t>called</a:t>
+            </a:r>
+            <a:r>
+              <a:rPr lang="tr-TR" dirty="0" smtClean="0"/>
+              <a:t> </a:t>
+            </a:r>
+            <a:r>
+              <a:rPr lang="tr-TR" dirty="0" err="1" smtClean="0"/>
+              <a:t>merge</a:t>
+            </a:r>
+            <a:r>
+              <a:rPr lang="tr-TR" dirty="0" smtClean="0"/>
+              <a:t>) </a:t>
+            </a:r>
+            <a:r>
+              <a:rPr lang="tr-TR" dirty="0" err="1" smtClean="0"/>
+              <a:t>and</a:t>
+            </a:r>
+            <a:r>
+              <a:rPr lang="tr-TR" dirty="0" smtClean="0"/>
+              <a:t> </a:t>
+            </a:r>
+            <a:r>
+              <a:rPr lang="tr-TR" dirty="0" err="1" smtClean="0"/>
+              <a:t>rebase</a:t>
+            </a:r>
+            <a:r>
+              <a:rPr lang="tr-TR" dirty="0" smtClean="0"/>
+              <a:t> </a:t>
+            </a:r>
+            <a:r>
+              <a:rPr lang="tr-TR" dirty="0" err="1" smtClean="0"/>
+              <a:t>are</a:t>
+            </a:r>
+            <a:r>
+              <a:rPr lang="tr-TR" dirty="0" smtClean="0"/>
+              <a:t> </a:t>
+            </a:r>
+            <a:r>
+              <a:rPr lang="tr-TR" dirty="0" err="1" smtClean="0"/>
+              <a:t>both</a:t>
+            </a:r>
+            <a:r>
+              <a:rPr lang="tr-TR" dirty="0" smtClean="0"/>
+              <a:t> </a:t>
+            </a:r>
+            <a:r>
+              <a:rPr lang="en-US" dirty="0" smtClean="0"/>
+              <a:t>integrate changes from one branch into another branch but in different ways</a:t>
+            </a:r>
+            <a:r>
+              <a:rPr lang="en-US" dirty="0" smtClean="0"/>
+              <a:t>.</a:t>
+            </a:r>
+            <a:endParaRPr lang="tr-TR" dirty="0" smtClean="0"/>
+          </a:p>
+          <a:p>
+            <a:r>
+              <a:rPr lang="tr-TR" dirty="0" err="1" smtClean="0"/>
+              <a:t>Merging</a:t>
+            </a:r>
+            <a:r>
+              <a:rPr lang="tr-TR" dirty="0" smtClean="0"/>
+              <a:t> </a:t>
+            </a:r>
+            <a:r>
+              <a:rPr lang="en-US" dirty="0" smtClean="0"/>
+              <a:t>takes </a:t>
+            </a:r>
+            <a:r>
+              <a:rPr lang="en-US" dirty="0" smtClean="0"/>
+              <a:t>the contents of the feature branch and integrates it with the master branch</a:t>
+            </a:r>
+            <a:r>
+              <a:rPr lang="en-US" dirty="0" smtClean="0"/>
+              <a:t>.</a:t>
+            </a:r>
+            <a:r>
+              <a:rPr lang="tr-TR" dirty="0" smtClean="0"/>
+              <a:t> As a </a:t>
+            </a:r>
+            <a:r>
+              <a:rPr lang="tr-TR" dirty="0" err="1" smtClean="0"/>
+              <a:t>result</a:t>
+            </a:r>
+            <a:r>
+              <a:rPr lang="tr-TR" dirty="0" smtClean="0"/>
+              <a:t>, </a:t>
+            </a:r>
+            <a:r>
+              <a:rPr lang="tr-TR" dirty="0" err="1" smtClean="0"/>
+              <a:t>commit</a:t>
+            </a:r>
+            <a:r>
+              <a:rPr lang="tr-TR" dirty="0" smtClean="0"/>
+              <a:t> </a:t>
+            </a:r>
+            <a:r>
+              <a:rPr lang="tr-TR" dirty="0" err="1" smtClean="0"/>
+              <a:t>history</a:t>
+            </a:r>
+            <a:r>
+              <a:rPr lang="tr-TR" dirty="0" smtClean="0"/>
+              <a:t> is </a:t>
+            </a:r>
+            <a:r>
+              <a:rPr lang="tr-TR" dirty="0" err="1" smtClean="0"/>
+              <a:t>preserved</a:t>
+            </a:r>
+            <a:r>
+              <a:rPr lang="tr-TR" dirty="0" smtClean="0"/>
+              <a:t>.</a:t>
+            </a:r>
+          </a:p>
+          <a:p>
+            <a:r>
+              <a:rPr lang="tr-TR" dirty="0" err="1" smtClean="0"/>
+              <a:t>Rebase</a:t>
+            </a:r>
+            <a:r>
+              <a:rPr lang="tr-TR" dirty="0" smtClean="0"/>
+              <a:t> </a:t>
+            </a:r>
+            <a:r>
+              <a:rPr lang="tr-TR" dirty="0" err="1" smtClean="0"/>
+              <a:t>take</a:t>
+            </a:r>
+            <a:r>
+              <a:rPr lang="tr-TR" dirty="0" err="1" smtClean="0"/>
+              <a:t>s</a:t>
+            </a:r>
+            <a:r>
+              <a:rPr lang="tr-TR" dirty="0" smtClean="0"/>
+              <a:t> </a:t>
+            </a:r>
+            <a:r>
+              <a:rPr lang="tr-TR" dirty="0" err="1" smtClean="0"/>
+              <a:t>the</a:t>
+            </a:r>
+            <a:r>
+              <a:rPr lang="tr-TR" dirty="0" smtClean="0"/>
+              <a:t> </a:t>
+            </a:r>
+            <a:r>
+              <a:rPr lang="tr-TR" dirty="0" err="1" smtClean="0"/>
+              <a:t>feature</a:t>
+            </a:r>
+            <a:r>
+              <a:rPr lang="tr-TR" dirty="0" smtClean="0"/>
+              <a:t> </a:t>
+            </a:r>
+            <a:r>
+              <a:rPr lang="tr-TR" dirty="0" err="1" smtClean="0"/>
+              <a:t>branch</a:t>
+            </a:r>
+            <a:r>
+              <a:rPr lang="tr-TR" dirty="0" smtClean="0"/>
+              <a:t> </a:t>
+            </a:r>
+            <a:r>
+              <a:rPr lang="tr-TR" dirty="0" err="1" smtClean="0"/>
+              <a:t>and</a:t>
+            </a:r>
+            <a:r>
+              <a:rPr lang="tr-TR" dirty="0" smtClean="0"/>
+              <a:t> </a:t>
+            </a:r>
+            <a:r>
+              <a:rPr lang="tr-TR" dirty="0" err="1" smtClean="0"/>
+              <a:t>add</a:t>
+            </a:r>
+            <a:r>
+              <a:rPr lang="tr-TR" dirty="0" smtClean="0"/>
+              <a:t> </a:t>
+            </a:r>
+            <a:r>
+              <a:rPr lang="tr-TR" dirty="0" err="1" smtClean="0"/>
+              <a:t>all</a:t>
+            </a:r>
+            <a:r>
+              <a:rPr lang="tr-TR" dirty="0" smtClean="0"/>
+              <a:t> </a:t>
+            </a:r>
+            <a:r>
+              <a:rPr lang="tr-TR" dirty="0" err="1" smtClean="0"/>
+              <a:t>the</a:t>
+            </a:r>
+            <a:r>
+              <a:rPr lang="tr-TR" dirty="0" smtClean="0"/>
+              <a:t> </a:t>
+            </a:r>
+            <a:r>
+              <a:rPr lang="tr-TR" dirty="0" err="1" smtClean="0"/>
+              <a:t>commits</a:t>
+            </a:r>
+            <a:r>
+              <a:rPr lang="tr-TR" dirty="0" smtClean="0"/>
+              <a:t> </a:t>
+            </a:r>
+            <a:r>
+              <a:rPr lang="tr-TR" dirty="0" err="1" smtClean="0"/>
+              <a:t>to</a:t>
+            </a:r>
+            <a:r>
+              <a:rPr lang="tr-TR" dirty="0" smtClean="0"/>
+              <a:t> </a:t>
+            </a:r>
+            <a:r>
+              <a:rPr lang="tr-TR" dirty="0" err="1" smtClean="0"/>
+              <a:t>master</a:t>
+            </a:r>
+            <a:r>
+              <a:rPr lang="tr-TR" dirty="0" smtClean="0"/>
+              <a:t> </a:t>
+            </a:r>
+            <a:r>
+              <a:rPr lang="tr-TR" dirty="0" err="1" smtClean="0"/>
+              <a:t>branch</a:t>
+            </a:r>
+            <a:r>
+              <a:rPr lang="tr-TR" dirty="0" smtClean="0"/>
+              <a:t> as </a:t>
+            </a:r>
+            <a:r>
+              <a:rPr lang="tr-TR" dirty="0" err="1" smtClean="0"/>
+              <a:t>last</a:t>
+            </a:r>
+            <a:r>
+              <a:rPr lang="tr-TR" dirty="0" smtClean="0"/>
+              <a:t> </a:t>
+            </a:r>
+            <a:r>
+              <a:rPr lang="tr-TR" dirty="0" err="1" smtClean="0"/>
+              <a:t>commit</a:t>
+            </a:r>
+            <a:r>
+              <a:rPr lang="tr-TR" dirty="0" smtClean="0"/>
+              <a:t>. As a </a:t>
+            </a:r>
+            <a:r>
+              <a:rPr lang="tr-TR" dirty="0" err="1" smtClean="0"/>
+              <a:t>result</a:t>
+            </a:r>
+            <a:r>
+              <a:rPr lang="tr-TR" dirty="0" smtClean="0"/>
+              <a:t>, </a:t>
+            </a:r>
+            <a:r>
+              <a:rPr lang="tr-TR" dirty="0" err="1" smtClean="0"/>
+              <a:t>commit</a:t>
+            </a:r>
+            <a:r>
+              <a:rPr lang="tr-TR" dirty="0" smtClean="0"/>
+              <a:t> </a:t>
+            </a:r>
+            <a:r>
+              <a:rPr lang="tr-TR" dirty="0" err="1" smtClean="0"/>
+              <a:t>history</a:t>
+            </a:r>
+            <a:r>
+              <a:rPr lang="tr-TR" dirty="0" smtClean="0"/>
+              <a:t> is </a:t>
+            </a:r>
+            <a:r>
+              <a:rPr lang="tr-TR" dirty="0" err="1" smtClean="0"/>
+              <a:t>rewritten</a:t>
+            </a:r>
+            <a:r>
+              <a:rPr lang="tr-TR" dirty="0" smtClean="0"/>
+              <a:t>.</a:t>
+            </a:r>
+          </a:p>
+          <a:p>
+            <a:r>
+              <a:rPr lang="tr-TR" dirty="0" err="1" smtClean="0"/>
+              <a:t>For</a:t>
+            </a:r>
+            <a:r>
+              <a:rPr lang="tr-TR" dirty="0" smtClean="0"/>
+              <a:t> </a:t>
+            </a:r>
+            <a:r>
+              <a:rPr lang="tr-TR" dirty="0" err="1" smtClean="0"/>
+              <a:t>usage</a:t>
+            </a:r>
+            <a:r>
+              <a:rPr lang="tr-TR" dirty="0" smtClean="0"/>
+              <a:t>, </a:t>
+            </a:r>
+            <a:r>
+              <a:rPr lang="tr-TR" dirty="0" err="1" smtClean="0"/>
+              <a:t>rebase</a:t>
+            </a:r>
+            <a:r>
+              <a:rPr lang="tr-TR" dirty="0" smtClean="0"/>
+              <a:t> </a:t>
+            </a:r>
+            <a:r>
+              <a:rPr lang="tr-TR" dirty="0" err="1" smtClean="0"/>
+              <a:t>more</a:t>
+            </a:r>
+            <a:r>
+              <a:rPr lang="tr-TR" dirty="0" smtClean="0"/>
+              <a:t> </a:t>
+            </a:r>
+            <a:r>
+              <a:rPr lang="tr-TR" dirty="0" err="1" smtClean="0"/>
+              <a:t>logical</a:t>
+            </a:r>
+            <a:r>
+              <a:rPr lang="tr-TR" dirty="0" smtClean="0"/>
+              <a:t> </a:t>
+            </a:r>
+            <a:r>
+              <a:rPr lang="tr-TR" dirty="0" err="1" smtClean="0"/>
+              <a:t>for</a:t>
+            </a:r>
+            <a:r>
+              <a:rPr lang="tr-TR" dirty="0" smtClean="0"/>
+              <a:t> </a:t>
+            </a:r>
+            <a:r>
+              <a:rPr lang="tr-TR" dirty="0" err="1" smtClean="0"/>
+              <a:t>individual</a:t>
+            </a:r>
+            <a:r>
+              <a:rPr lang="tr-TR" dirty="0" smtClean="0"/>
+              <a:t> </a:t>
+            </a:r>
+            <a:r>
+              <a:rPr lang="tr-TR" dirty="0" err="1" smtClean="0"/>
+              <a:t>project</a:t>
+            </a:r>
+            <a:r>
+              <a:rPr lang="tr-TR" dirty="0" smtClean="0"/>
+              <a:t> but </a:t>
+            </a:r>
+            <a:r>
+              <a:rPr lang="tr-TR" dirty="0" err="1" smtClean="0"/>
+              <a:t>when</a:t>
+            </a:r>
+            <a:r>
+              <a:rPr lang="tr-TR" dirty="0" smtClean="0"/>
+              <a:t> </a:t>
+            </a:r>
+            <a:r>
+              <a:rPr lang="tr-TR" dirty="0" err="1" smtClean="0"/>
+              <a:t>there</a:t>
+            </a:r>
+            <a:r>
+              <a:rPr lang="tr-TR" dirty="0" smtClean="0"/>
+              <a:t> </a:t>
+            </a:r>
+            <a:r>
+              <a:rPr lang="tr-TR" dirty="0" err="1" smtClean="0"/>
+              <a:t>will</a:t>
+            </a:r>
+            <a:r>
+              <a:rPr lang="tr-TR" dirty="0" smtClean="0"/>
+              <a:t> be </a:t>
+            </a:r>
+            <a:r>
+              <a:rPr lang="tr-TR" dirty="0" err="1" smtClean="0"/>
+              <a:t>more</a:t>
+            </a:r>
+            <a:r>
+              <a:rPr lang="tr-TR" dirty="0" smtClean="0"/>
+              <a:t> </a:t>
+            </a:r>
+            <a:r>
+              <a:rPr lang="tr-TR" dirty="0" err="1" smtClean="0"/>
+              <a:t>than</a:t>
+            </a:r>
+            <a:r>
+              <a:rPr lang="tr-TR" dirty="0" smtClean="0"/>
+              <a:t> </a:t>
+            </a:r>
+            <a:r>
+              <a:rPr lang="tr-TR" dirty="0" err="1" smtClean="0"/>
+              <a:t>one</a:t>
+            </a:r>
+            <a:r>
+              <a:rPr lang="tr-TR" dirty="0" smtClean="0"/>
+              <a:t> </a:t>
+            </a:r>
+            <a:r>
+              <a:rPr lang="tr-TR" dirty="0" err="1" smtClean="0"/>
+              <a:t>developers</a:t>
+            </a:r>
+            <a:r>
+              <a:rPr lang="tr-TR" dirty="0" smtClean="0"/>
+              <a:t> </a:t>
+            </a:r>
+            <a:r>
+              <a:rPr lang="tr-TR" dirty="0" err="1" smtClean="0"/>
+              <a:t>who</a:t>
+            </a:r>
+            <a:r>
+              <a:rPr lang="tr-TR" dirty="0" smtClean="0"/>
+              <a:t> </a:t>
+            </a:r>
+            <a:r>
+              <a:rPr lang="tr-TR" dirty="0" err="1" smtClean="0"/>
+              <a:t>commit</a:t>
+            </a:r>
+            <a:r>
+              <a:rPr lang="tr-TR" dirty="0" smtClean="0"/>
+              <a:t> </a:t>
+            </a:r>
+            <a:r>
+              <a:rPr lang="tr-TR" dirty="0" err="1" smtClean="0"/>
+              <a:t>to</a:t>
+            </a:r>
+            <a:r>
+              <a:rPr lang="tr-TR" dirty="0" smtClean="0"/>
+              <a:t> </a:t>
+            </a:r>
+            <a:r>
+              <a:rPr lang="tr-TR" dirty="0" err="1" smtClean="0"/>
+              <a:t>feature</a:t>
+            </a:r>
+            <a:r>
+              <a:rPr lang="tr-TR" dirty="0" smtClean="0"/>
+              <a:t> </a:t>
+            </a:r>
+            <a:r>
+              <a:rPr lang="tr-TR" dirty="0" err="1" smtClean="0"/>
+              <a:t>branch</a:t>
+            </a:r>
+            <a:r>
+              <a:rPr lang="tr-TR" dirty="0" smtClean="0"/>
+              <a:t>, it </a:t>
+            </a:r>
+            <a:r>
+              <a:rPr lang="tr-TR" dirty="0" err="1" smtClean="0"/>
+              <a:t>creates</a:t>
+            </a:r>
+            <a:r>
+              <a:rPr lang="tr-TR" dirty="0" smtClean="0"/>
+              <a:t> </a:t>
+            </a:r>
+            <a:r>
+              <a:rPr lang="tr-TR" dirty="0" err="1" smtClean="0"/>
+              <a:t>inconsistent</a:t>
+            </a:r>
+            <a:r>
+              <a:rPr lang="tr-TR" dirty="0" smtClean="0"/>
+              <a:t> </a:t>
+            </a:r>
+            <a:r>
+              <a:rPr lang="tr-TR" dirty="0" err="1" smtClean="0"/>
+              <a:t>repositories</a:t>
+            </a:r>
+            <a:r>
+              <a:rPr lang="tr-TR" dirty="0" smtClean="0"/>
+              <a:t>. </a:t>
+            </a:r>
+            <a:r>
+              <a:rPr lang="tr-TR" dirty="0" err="1" smtClean="0"/>
+              <a:t>In</a:t>
+            </a:r>
+            <a:r>
+              <a:rPr lang="tr-TR" dirty="0" smtClean="0"/>
+              <a:t> </a:t>
+            </a:r>
+            <a:r>
+              <a:rPr lang="tr-TR" dirty="0" err="1" smtClean="0"/>
+              <a:t>this</a:t>
+            </a:r>
+            <a:r>
+              <a:rPr lang="tr-TR" dirty="0" smtClean="0"/>
+              <a:t> </a:t>
+            </a:r>
+            <a:r>
+              <a:rPr lang="tr-TR" dirty="0" err="1" smtClean="0"/>
+              <a:t>type</a:t>
+            </a:r>
+            <a:r>
+              <a:rPr lang="tr-TR" dirty="0" smtClean="0"/>
+              <a:t> of </a:t>
+            </a:r>
+            <a:r>
+              <a:rPr lang="tr-TR" dirty="0" err="1" smtClean="0"/>
+              <a:t>projects</a:t>
+            </a:r>
+            <a:r>
+              <a:rPr lang="tr-TR" dirty="0" smtClean="0"/>
+              <a:t>, </a:t>
+            </a:r>
+            <a:r>
+              <a:rPr lang="tr-TR" dirty="0" err="1" smtClean="0"/>
+              <a:t>using</a:t>
+            </a:r>
+            <a:r>
+              <a:rPr lang="tr-TR" dirty="0" smtClean="0"/>
+              <a:t> </a:t>
+            </a:r>
+            <a:r>
+              <a:rPr lang="tr-TR" dirty="0" err="1" smtClean="0"/>
+              <a:t>merging</a:t>
+            </a:r>
+            <a:r>
+              <a:rPr lang="tr-TR" dirty="0" smtClean="0"/>
+              <a:t> </a:t>
+            </a:r>
+            <a:r>
+              <a:rPr lang="tr-TR" dirty="0" err="1" smtClean="0"/>
+              <a:t>provides</a:t>
+            </a:r>
+            <a:r>
+              <a:rPr lang="tr-TR" dirty="0" smtClean="0"/>
+              <a:t> </a:t>
+            </a:r>
+            <a:r>
+              <a:rPr lang="tr-TR" dirty="0" err="1" smtClean="0"/>
+              <a:t>simpler</a:t>
+            </a:r>
+            <a:r>
+              <a:rPr lang="tr-TR" dirty="0" smtClean="0"/>
+              <a:t> </a:t>
+            </a:r>
+            <a:r>
+              <a:rPr lang="tr-TR" dirty="0" err="1" smtClean="0"/>
+              <a:t>history</a:t>
+            </a:r>
+            <a:endParaRPr lang="tr-TR" dirty="0"/>
+          </a:p>
+        </p:txBody>
+      </p:sp>
+    </p:spTree>
+  </p:cSld>
+  <p:clrMapOvr>
+    <a:masterClrMapping/>
+  </p:clrMapOvr>
+</p:sld>
+</file>
+
+<file path=ppt/slides/slide15.xml><?xml version="1.0" encoding="utf-8"?>
+<p:sld xmlns:a="http://schemas.openxmlformats.org/drawingml/2006/main" xmlns:r="http://schemas.openxmlformats.org/officeDocument/2006/relationships" xmlns:p="http://schemas.openxmlformats.org/presentationml/2006/main">
+  <p:cSld>
+    <p:spTree>
+      <p:nvGrpSpPr>
+        <p:cNvPr id="1" name=""/>
+        <p:cNvGrpSpPr/>
+        <p:nvPr/>
+      </p:nvGrpSpPr>
+      <p:grpSpPr>
+        <a:xfrm>
+          <a:off x="0" y="0"/>
+          <a:ext cx="0" cy="0"/>
+          <a:chOff x="0" y="0"/>
+          <a:chExt cx="0" cy="0"/>
+        </a:xfrm>
+      </p:grpSpPr>
+      <p:sp>
+        <p:nvSpPr>
+          <p:cNvPr id="2" name="1 Başlık"/>
+          <p:cNvSpPr>
+            <a:spLocks noGrp="1"/>
+          </p:cNvSpPr>
+          <p:nvPr>
+            <p:ph type="title"/>
+          </p:nvPr>
+        </p:nvSpPr>
+        <p:spPr/>
+        <p:txBody>
+          <a:bodyPr/>
+          <a:lstStyle/>
+          <a:p>
+            <a:r>
+              <a:rPr lang="tr-TR" dirty="0" err="1" smtClean="0"/>
+              <a:t>Sweet</a:t>
+            </a:r>
+            <a:r>
+              <a:rPr lang="tr-TR" dirty="0" smtClean="0"/>
+              <a:t> </a:t>
+            </a:r>
+            <a:r>
+              <a:rPr lang="tr-TR" dirty="0" err="1" smtClean="0"/>
+              <a:t>Alert</a:t>
+            </a:r>
+            <a:endParaRPr lang="tr-TR" dirty="0"/>
+          </a:p>
+        </p:txBody>
+      </p:sp>
+      <p:sp>
+        <p:nvSpPr>
+          <p:cNvPr id="3" name="2 İçerik Yer Tutucusu"/>
+          <p:cNvSpPr>
+            <a:spLocks noGrp="1"/>
+          </p:cNvSpPr>
+          <p:nvPr>
+            <p:ph idx="1"/>
+          </p:nvPr>
+        </p:nvSpPr>
+        <p:spPr/>
+        <p:txBody>
+          <a:bodyPr/>
+          <a:lstStyle/>
+          <a:p>
+            <a:r>
+              <a:rPr lang="tr-TR" dirty="0" err="1" smtClean="0"/>
+              <a:t>Sweet</a:t>
+            </a:r>
+            <a:r>
+              <a:rPr lang="tr-TR" dirty="0" smtClean="0"/>
+              <a:t>  </a:t>
+            </a:r>
+            <a:r>
+              <a:rPr lang="tr-TR" dirty="0" err="1" smtClean="0"/>
+              <a:t>Alert</a:t>
+            </a:r>
+            <a:r>
+              <a:rPr lang="tr-TR" dirty="0" smtClean="0"/>
+              <a:t> is a </a:t>
+            </a:r>
+            <a:r>
+              <a:rPr lang="tr-TR" dirty="0" err="1" smtClean="0"/>
+              <a:t>pack</a:t>
+            </a:r>
+            <a:r>
+              <a:rPr lang="tr-TR" dirty="0" smtClean="0"/>
+              <a:t> </a:t>
+            </a:r>
+            <a:r>
+              <a:rPr lang="tr-TR" dirty="0" err="1" smtClean="0"/>
+              <a:t>that</a:t>
+            </a:r>
+            <a:r>
+              <a:rPr lang="tr-TR" dirty="0" smtClean="0"/>
+              <a:t> can </a:t>
+            </a:r>
+            <a:r>
+              <a:rPr lang="tr-TR" dirty="0" err="1" smtClean="0"/>
+              <a:t>allow</a:t>
+            </a:r>
+            <a:r>
+              <a:rPr lang="tr-TR" dirty="0" smtClean="0"/>
+              <a:t> us </a:t>
+            </a:r>
+            <a:r>
+              <a:rPr lang="tr-TR" dirty="0" err="1" smtClean="0"/>
+              <a:t>to</a:t>
+            </a:r>
+            <a:r>
+              <a:rPr lang="tr-TR" dirty="0" smtClean="0"/>
+              <a:t> </a:t>
+            </a:r>
+            <a:r>
+              <a:rPr lang="tr-TR" dirty="0" err="1" smtClean="0"/>
+              <a:t>costumize</a:t>
+            </a:r>
+            <a:r>
+              <a:rPr lang="tr-TR" dirty="0" smtClean="0"/>
+              <a:t> </a:t>
+            </a:r>
+            <a:r>
+              <a:rPr lang="tr-TR" dirty="0" err="1" smtClean="0"/>
+              <a:t>alert</a:t>
+            </a:r>
+            <a:r>
+              <a:rPr lang="tr-TR" dirty="0" smtClean="0"/>
+              <a:t> </a:t>
+            </a:r>
+            <a:r>
+              <a:rPr lang="tr-TR" dirty="0" err="1" smtClean="0"/>
+              <a:t>windows</a:t>
+            </a:r>
+            <a:r>
+              <a:rPr lang="tr-TR" dirty="0" smtClean="0"/>
+              <a:t> in web </a:t>
+            </a:r>
+            <a:r>
+              <a:rPr lang="tr-TR" dirty="0" err="1" smtClean="0"/>
+              <a:t>sites</a:t>
+            </a:r>
+            <a:r>
+              <a:rPr lang="tr-TR" smtClean="0"/>
+              <a:t>.</a:t>
+            </a:r>
+            <a:endParaRPr lang="tr-TR"/>
+          </a:p>
+        </p:txBody>
+      </p:sp>
+    </p:spTree>
+  </p:cSld>
+  <p:clrMapOvr>
+    <a:masterClrMapping/>
+  </p:clrMapOvr>
+</p:sld>
+</file>
+
 <file path=ppt/slides/slide2.xml><?xml version="1.0" encoding="utf-8"?>
 <p:sld xmlns:a="http://schemas.openxmlformats.org/drawingml/2006/main" xmlns:r="http://schemas.openxmlformats.org/officeDocument/2006/relationships" xmlns:p="http://schemas.openxmlformats.org/presentationml/2006/main">
   <p:cSld>
@@ -5018,38 +6677,26 @@
             </a:r>
             <a:r>
               <a:rPr lang="en-US" dirty="0" smtClean="0"/>
-              <a:t> </a:t>
+              <a:t> allow the browser to check the file source to ensure that the code is never loaded if the source has been manipulated.</a:t>
+            </a:r>
+            <a:endParaRPr lang="tr-TR" dirty="0" smtClean="0"/>
+          </a:p>
+          <a:p>
+            <a:r>
+              <a:rPr lang="tr-TR" dirty="0" err="1" smtClean="0"/>
+              <a:t>Crossorigin</a:t>
+            </a:r>
+            <a:r>
+              <a:rPr lang="tr-TR" dirty="0" smtClean="0"/>
+              <a:t> </a:t>
+            </a:r>
+            <a:r>
+              <a:rPr lang="tr-TR" dirty="0" err="1" smtClean="0"/>
+              <a:t>attribute</a:t>
             </a:r>
             <a:r>
               <a:rPr lang="en-US" dirty="0" smtClean="0"/>
-              <a:t>allow the browser to check the file source to ensure that the code is never loaded if the source has been manipulated</a:t>
-            </a:r>
-            <a:r>
-              <a:rPr lang="en-US" dirty="0" smtClean="0"/>
-              <a:t>.</a:t>
-            </a:r>
-            <a:endParaRPr lang="tr-TR" dirty="0" smtClean="0"/>
-          </a:p>
-          <a:p>
-            <a:r>
-              <a:rPr lang="tr-TR" dirty="0" err="1" smtClean="0"/>
-              <a:t>Crossorigin</a:t>
-            </a:r>
-            <a:r>
-              <a:rPr lang="tr-TR" dirty="0" smtClean="0"/>
-              <a:t> </a:t>
-            </a:r>
-            <a:r>
-              <a:rPr lang="tr-TR" dirty="0" err="1" smtClean="0"/>
-              <a:t>attribute</a:t>
-            </a:r>
-            <a:r>
-              <a:rPr lang="en-US" dirty="0" smtClean="0"/>
-              <a:t> is present when a request is loaded using 'CORS' which is now a requirement of SRI checking when not loaded from the 'same-origin</a:t>
-            </a:r>
-            <a:r>
-              <a:rPr lang="en-US" dirty="0" smtClean="0"/>
-              <a:t>'.</a:t>
+              <a:t> is present when a request is loaded using 'CORS' which is now a requirement of SRI checking when not loaded from the 'same-origin'.</a:t>
             </a:r>
             <a:endParaRPr lang="tr-TR" dirty="0" smtClean="0"/>
           </a:p>

--- a/homeworks_musab_sakar.pptx
+++ b/homeworks_musab_sakar.pptx
@@ -20,6 +20,7 @@
     <p:sldId id="268" r:id="rId14"/>
     <p:sldId id="269" r:id="rId15"/>
     <p:sldId id="270" r:id="rId16"/>
+    <p:sldId id="271" r:id="rId17"/>
   </p:sldIdLst>
   <p:sldSz cx="9144000" cy="6858000" type="screen4x3"/>
   <p:notesSz cx="6858000" cy="9144000"/>
@@ -303,7 +304,7 @@
             <a:fld id="{194CBBFF-B9F9-477E-9B1F-DD9A3FC6F727}" type="datetimeFigureOut">
               <a:rPr lang="tr-TR" smtClean="0"/>
               <a:pPr/>
-              <a:t>31.5.2022</a:t>
+              <a:t>4.6.2022</a:t>
             </a:fld>
             <a:endParaRPr lang="tr-TR"/>
           </a:p>
@@ -470,7 +471,7 @@
             <a:fld id="{194CBBFF-B9F9-477E-9B1F-DD9A3FC6F727}" type="datetimeFigureOut">
               <a:rPr lang="tr-TR" smtClean="0"/>
               <a:pPr/>
-              <a:t>31.5.2022</a:t>
+              <a:t>4.6.2022</a:t>
             </a:fld>
             <a:endParaRPr lang="tr-TR"/>
           </a:p>
@@ -647,7 +648,7 @@
             <a:fld id="{194CBBFF-B9F9-477E-9B1F-DD9A3FC6F727}" type="datetimeFigureOut">
               <a:rPr lang="tr-TR" smtClean="0"/>
               <a:pPr/>
-              <a:t>31.5.2022</a:t>
+              <a:t>4.6.2022</a:t>
             </a:fld>
             <a:endParaRPr lang="tr-TR"/>
           </a:p>
@@ -814,7 +815,7 @@
             <a:fld id="{194CBBFF-B9F9-477E-9B1F-DD9A3FC6F727}" type="datetimeFigureOut">
               <a:rPr lang="tr-TR" smtClean="0"/>
               <a:pPr/>
-              <a:t>31.5.2022</a:t>
+              <a:t>4.6.2022</a:t>
             </a:fld>
             <a:endParaRPr lang="tr-TR"/>
           </a:p>
@@ -1057,7 +1058,7 @@
             <a:fld id="{194CBBFF-B9F9-477E-9B1F-DD9A3FC6F727}" type="datetimeFigureOut">
               <a:rPr lang="tr-TR" smtClean="0"/>
               <a:pPr/>
-              <a:t>31.5.2022</a:t>
+              <a:t>4.6.2022</a:t>
             </a:fld>
             <a:endParaRPr lang="tr-TR"/>
           </a:p>
@@ -1342,7 +1343,7 @@
             <a:fld id="{194CBBFF-B9F9-477E-9B1F-DD9A3FC6F727}" type="datetimeFigureOut">
               <a:rPr lang="tr-TR" smtClean="0"/>
               <a:pPr/>
-              <a:t>31.5.2022</a:t>
+              <a:t>4.6.2022</a:t>
             </a:fld>
             <a:endParaRPr lang="tr-TR"/>
           </a:p>
@@ -1761,7 +1762,7 @@
             <a:fld id="{194CBBFF-B9F9-477E-9B1F-DD9A3FC6F727}" type="datetimeFigureOut">
               <a:rPr lang="tr-TR" smtClean="0"/>
               <a:pPr/>
-              <a:t>31.5.2022</a:t>
+              <a:t>4.6.2022</a:t>
             </a:fld>
             <a:endParaRPr lang="tr-TR"/>
           </a:p>
@@ -1876,7 +1877,7 @@
             <a:fld id="{194CBBFF-B9F9-477E-9B1F-DD9A3FC6F727}" type="datetimeFigureOut">
               <a:rPr lang="tr-TR" smtClean="0"/>
               <a:pPr/>
-              <a:t>31.5.2022</a:t>
+              <a:t>4.6.2022</a:t>
             </a:fld>
             <a:endParaRPr lang="tr-TR"/>
           </a:p>
@@ -1968,7 +1969,7 @@
             <a:fld id="{194CBBFF-B9F9-477E-9B1F-DD9A3FC6F727}" type="datetimeFigureOut">
               <a:rPr lang="tr-TR" smtClean="0"/>
               <a:pPr/>
-              <a:t>31.5.2022</a:t>
+              <a:t>4.6.2022</a:t>
             </a:fld>
             <a:endParaRPr lang="tr-TR"/>
           </a:p>
@@ -2242,7 +2243,7 @@
             <a:fld id="{194CBBFF-B9F9-477E-9B1F-DD9A3FC6F727}" type="datetimeFigureOut">
               <a:rPr lang="tr-TR" smtClean="0"/>
               <a:pPr/>
-              <a:t>31.5.2022</a:t>
+              <a:t>4.6.2022</a:t>
             </a:fld>
             <a:endParaRPr lang="tr-TR"/>
           </a:p>
@@ -2492,7 +2493,7 @@
             <a:fld id="{194CBBFF-B9F9-477E-9B1F-DD9A3FC6F727}" type="datetimeFigureOut">
               <a:rPr lang="tr-TR" smtClean="0"/>
               <a:pPr/>
-              <a:t>31.5.2022</a:t>
+              <a:t>4.6.2022</a:t>
             </a:fld>
             <a:endParaRPr lang="tr-TR"/>
           </a:p>
@@ -2702,7 +2703,7 @@
             <a:fld id="{194CBBFF-B9F9-477E-9B1F-DD9A3FC6F727}" type="datetimeFigureOut">
               <a:rPr lang="tr-TR" smtClean="0"/>
               <a:pPr/>
-              <a:t>31.5.2022</a:t>
+              <a:t>4.6.2022</a:t>
             </a:fld>
             <a:endParaRPr lang="tr-TR"/>
           </a:p>
@@ -4363,71 +4364,59 @@
             </a:r>
             <a:r>
               <a:rPr lang="en-US" dirty="0" smtClean="0"/>
-              <a:t>integrate changes from one branch into another branch but in different ways</a:t>
+              <a:t>integrate changes from one branch into another branch but in different ways.</a:t>
+            </a:r>
+            <a:endParaRPr lang="tr-TR" dirty="0" smtClean="0"/>
+          </a:p>
+          <a:p>
+            <a:r>
+              <a:rPr lang="tr-TR" dirty="0" err="1" smtClean="0"/>
+              <a:t>Merging</a:t>
+            </a:r>
+            <a:r>
+              <a:rPr lang="tr-TR" dirty="0" smtClean="0"/>
+              <a:t> </a:t>
             </a:r>
             <a:r>
               <a:rPr lang="en-US" dirty="0" smtClean="0"/>
+              <a:t>takes the contents of the feature branch and integrates it with the master branch.</a:t>
+            </a:r>
+            <a:r>
+              <a:rPr lang="tr-TR" dirty="0" smtClean="0"/>
+              <a:t> As a </a:t>
+            </a:r>
+            <a:r>
+              <a:rPr lang="tr-TR" dirty="0" err="1" smtClean="0"/>
+              <a:t>result</a:t>
+            </a:r>
+            <a:r>
+              <a:rPr lang="tr-TR" dirty="0" smtClean="0"/>
+              <a:t>, </a:t>
+            </a:r>
+            <a:r>
+              <a:rPr lang="tr-TR" dirty="0" err="1" smtClean="0"/>
+              <a:t>commit</a:t>
+            </a:r>
+            <a:r>
+              <a:rPr lang="tr-TR" dirty="0" smtClean="0"/>
+              <a:t> </a:t>
+            </a:r>
+            <a:r>
+              <a:rPr lang="tr-TR" dirty="0" err="1" smtClean="0"/>
+              <a:t>history</a:t>
+            </a:r>
+            <a:r>
+              <a:rPr lang="tr-TR" dirty="0" smtClean="0"/>
+              <a:t> is </a:t>
+            </a:r>
+            <a:r>
+              <a:rPr lang="tr-TR" dirty="0" err="1" smtClean="0"/>
+              <a:t>preserved</a:t>
+            </a:r>
+            <a:r>
+              <a:rPr lang="tr-TR" dirty="0" smtClean="0"/>
               <a:t>.</a:t>
             </a:r>
-            <a:endParaRPr lang="tr-TR" dirty="0" smtClean="0"/>
-          </a:p>
-          <a:p>
-            <a:r>
-              <a:rPr lang="tr-TR" dirty="0" err="1" smtClean="0"/>
-              <a:t>Merging</a:t>
-            </a:r>
-            <a:r>
-              <a:rPr lang="tr-TR" dirty="0" smtClean="0"/>
-              <a:t> </a:t>
-            </a:r>
-            <a:r>
-              <a:rPr lang="en-US" dirty="0" smtClean="0"/>
-              <a:t>takes </a:t>
-            </a:r>
-            <a:r>
-              <a:rPr lang="en-US" dirty="0" smtClean="0"/>
-              <a:t>the contents of the feature branch and integrates it with the master branch</a:t>
-            </a:r>
-            <a:r>
-              <a:rPr lang="en-US" dirty="0" smtClean="0"/>
-              <a:t>.</a:t>
-            </a:r>
-            <a:r>
-              <a:rPr lang="tr-TR" dirty="0" smtClean="0"/>
-              <a:t> As a </a:t>
-            </a:r>
-            <a:r>
-              <a:rPr lang="tr-TR" dirty="0" err="1" smtClean="0"/>
-              <a:t>result</a:t>
-            </a:r>
-            <a:r>
-              <a:rPr lang="tr-TR" dirty="0" smtClean="0"/>
-              <a:t>, </a:t>
-            </a:r>
-            <a:r>
-              <a:rPr lang="tr-TR" dirty="0" err="1" smtClean="0"/>
-              <a:t>commit</a:t>
-            </a:r>
-            <a:r>
-              <a:rPr lang="tr-TR" dirty="0" smtClean="0"/>
-              <a:t> </a:t>
-            </a:r>
-            <a:r>
-              <a:rPr lang="tr-TR" dirty="0" err="1" smtClean="0"/>
-              <a:t>history</a:t>
-            </a:r>
-            <a:r>
-              <a:rPr lang="tr-TR" dirty="0" smtClean="0"/>
-              <a:t> is </a:t>
-            </a:r>
-            <a:r>
-              <a:rPr lang="tr-TR" dirty="0" err="1" smtClean="0"/>
-              <a:t>preserved</a:t>
-            </a:r>
-            <a:r>
-              <a:rPr lang="tr-TR" dirty="0" smtClean="0"/>
-              <a:t>.</a:t>
-            </a:r>
           </a:p>
           <a:p>
             <a:r>
@@ -4440,11 +4429,7 @@
             </a:r>
             <a:r>
               <a:rPr lang="tr-TR" dirty="0" err="1" smtClean="0"/>
-              <a:t>take</a:t>
-            </a:r>
-            <a:r>
-              <a:rPr lang="tr-TR" dirty="0" err="1" smtClean="0"/>
-              <a:t>s</a:t>
+              <a:t>takes</a:t>
             </a:r>
             <a:r>
               <a:rPr lang="tr-TR" dirty="0" smtClean="0"/>
@@ -4996,6 +4981,431 @@
               <a:t>.</a:t>
             </a:r>
             <a:endParaRPr lang="tr-TR"/>
+          </a:p>
+        </p:txBody>
+      </p:sp>
+    </p:spTree>
+  </p:cSld>
+  <p:clrMapOvr>
+    <a:masterClrMapping/>
+  </p:clrMapOvr>
+</p:sld>
+</file>
+
+<file path=ppt/slides/slide16.xml><?xml version="1.0" encoding="utf-8"?>
+<p:sld xmlns:a="http://schemas.openxmlformats.org/drawingml/2006/main" xmlns:r="http://schemas.openxmlformats.org/officeDocument/2006/relationships" xmlns:p="http://schemas.openxmlformats.org/presentationml/2006/main">
+  <p:cSld>
+    <p:spTree>
+      <p:nvGrpSpPr>
+        <p:cNvPr id="1" name=""/>
+        <p:cNvGrpSpPr/>
+        <p:nvPr/>
+      </p:nvGrpSpPr>
+      <p:grpSpPr>
+        <a:xfrm>
+          <a:off x="0" y="0"/>
+          <a:ext cx="0" cy="0"/>
+          <a:chOff x="0" y="0"/>
+          <a:chExt cx="0" cy="0"/>
+        </a:xfrm>
+      </p:grpSpPr>
+      <p:sp>
+        <p:nvSpPr>
+          <p:cNvPr id="2" name="1 Başlık"/>
+          <p:cNvSpPr>
+            <a:spLocks noGrp="1"/>
+          </p:cNvSpPr>
+          <p:nvPr>
+            <p:ph type="title"/>
+          </p:nvPr>
+        </p:nvSpPr>
+        <p:spPr/>
+        <p:txBody>
+          <a:bodyPr/>
+          <a:lstStyle/>
+          <a:p>
+            <a:r>
+              <a:rPr lang="tr-TR" dirty="0" smtClean="0"/>
+              <a:t>JS </a:t>
+            </a:r>
+            <a:r>
+              <a:rPr lang="tr-TR" dirty="0" err="1" smtClean="0"/>
+              <a:t>Errors</a:t>
+            </a:r>
+            <a:endParaRPr lang="tr-TR" dirty="0"/>
+          </a:p>
+        </p:txBody>
+      </p:sp>
+      <p:sp>
+        <p:nvSpPr>
+          <p:cNvPr id="3" name="2 İçerik Yer Tutucusu"/>
+          <p:cNvSpPr>
+            <a:spLocks noGrp="1"/>
+          </p:cNvSpPr>
+          <p:nvPr>
+            <p:ph idx="1"/>
+          </p:nvPr>
+        </p:nvSpPr>
+        <p:spPr/>
+        <p:txBody>
+          <a:bodyPr>
+            <a:normAutofit lnSpcReduction="10000"/>
+          </a:bodyPr>
+          <a:lstStyle/>
+          <a:p>
+            <a:r>
+              <a:rPr lang="tr-TR" b="1" dirty="0" err="1" smtClean="0"/>
+              <a:t>Runtime</a:t>
+            </a:r>
+            <a:r>
+              <a:rPr lang="tr-TR" b="1" dirty="0" smtClean="0"/>
+              <a:t> </a:t>
+            </a:r>
+            <a:r>
+              <a:rPr lang="tr-TR" b="1" dirty="0" err="1" smtClean="0"/>
+              <a:t>Errors</a:t>
+            </a:r>
+            <a:r>
+              <a:rPr lang="tr-TR" b="1" dirty="0" smtClean="0"/>
+              <a:t>: </a:t>
+            </a:r>
+            <a:r>
+              <a:rPr lang="tr-TR" dirty="0" err="1" smtClean="0"/>
+              <a:t>They</a:t>
+            </a:r>
+            <a:r>
+              <a:rPr lang="tr-TR" dirty="0" smtClean="0"/>
+              <a:t> </a:t>
+            </a:r>
+            <a:r>
+              <a:rPr lang="tr-TR" dirty="0" err="1" smtClean="0"/>
+              <a:t>are</a:t>
+            </a:r>
+            <a:r>
+              <a:rPr lang="tr-TR" dirty="0" smtClean="0"/>
+              <a:t> </a:t>
+            </a:r>
+            <a:r>
+              <a:rPr lang="tr-TR" dirty="0" err="1" smtClean="0"/>
+              <a:t>also</a:t>
+            </a:r>
+            <a:r>
+              <a:rPr lang="tr-TR" dirty="0" smtClean="0"/>
+              <a:t> </a:t>
+            </a:r>
+            <a:r>
+              <a:rPr lang="tr-TR" dirty="0" err="1" smtClean="0"/>
+              <a:t>called</a:t>
+            </a:r>
+            <a:r>
+              <a:rPr lang="tr-TR" dirty="0" smtClean="0"/>
+              <a:t> “</a:t>
+            </a:r>
+            <a:r>
+              <a:rPr lang="tr-TR" dirty="0" err="1" smtClean="0"/>
+              <a:t>exceptions</a:t>
+            </a:r>
+            <a:r>
+              <a:rPr lang="tr-TR" dirty="0" smtClean="0"/>
+              <a:t>”. </a:t>
+            </a:r>
+            <a:r>
+              <a:rPr lang="tr-TR" dirty="0" err="1" smtClean="0"/>
+              <a:t>Runtime</a:t>
+            </a:r>
+            <a:r>
+              <a:rPr lang="tr-TR" dirty="0" smtClean="0"/>
+              <a:t> </a:t>
+            </a:r>
+            <a:r>
+              <a:rPr lang="tr-TR" dirty="0" err="1" smtClean="0"/>
+              <a:t>errors</a:t>
+            </a:r>
+            <a:r>
+              <a:rPr lang="tr-TR" dirty="0" smtClean="0"/>
+              <a:t> </a:t>
+            </a:r>
+            <a:r>
+              <a:rPr lang="tr-TR" dirty="0" err="1" smtClean="0"/>
+              <a:t>are</a:t>
+            </a:r>
+            <a:r>
+              <a:rPr lang="tr-TR" dirty="0" smtClean="0"/>
+              <a:t> </a:t>
+            </a:r>
+            <a:r>
+              <a:rPr lang="tr-TR" dirty="0" err="1" smtClean="0"/>
+              <a:t>errors</a:t>
+            </a:r>
+            <a:r>
+              <a:rPr lang="tr-TR" dirty="0" smtClean="0"/>
+              <a:t> </a:t>
+            </a:r>
+            <a:r>
+              <a:rPr lang="tr-TR" dirty="0" err="1" smtClean="0"/>
+              <a:t>that</a:t>
+            </a:r>
+            <a:r>
+              <a:rPr lang="tr-TR" dirty="0" smtClean="0"/>
+              <a:t> </a:t>
+            </a:r>
+            <a:r>
+              <a:rPr lang="tr-TR" dirty="0" err="1" smtClean="0"/>
+              <a:t>seem</a:t>
+            </a:r>
+            <a:r>
+              <a:rPr lang="tr-TR" dirty="0" smtClean="0"/>
+              <a:t> in </a:t>
+            </a:r>
+            <a:r>
+              <a:rPr lang="tr-TR" dirty="0" err="1" smtClean="0"/>
+              <a:t>runtime</a:t>
+            </a:r>
+            <a:r>
+              <a:rPr lang="tr-TR" dirty="0" smtClean="0"/>
+              <a:t> (</a:t>
+            </a:r>
+            <a:r>
+              <a:rPr lang="tr-TR" dirty="0" err="1" smtClean="0"/>
+              <a:t>undefined</a:t>
+            </a:r>
+            <a:r>
+              <a:rPr lang="tr-TR" dirty="0" smtClean="0"/>
+              <a:t> </a:t>
+            </a:r>
+            <a:r>
+              <a:rPr lang="tr-TR" dirty="0" err="1" smtClean="0"/>
+              <a:t>method</a:t>
+            </a:r>
+            <a:r>
+              <a:rPr lang="tr-TR" dirty="0" smtClean="0"/>
+              <a:t> </a:t>
+            </a:r>
+            <a:r>
+              <a:rPr lang="tr-TR" dirty="0" err="1" smtClean="0"/>
+              <a:t>or</a:t>
+            </a:r>
+            <a:r>
+              <a:rPr lang="tr-TR" dirty="0" smtClean="0"/>
+              <a:t> </a:t>
+            </a:r>
+            <a:r>
+              <a:rPr lang="tr-TR" dirty="0" err="1" smtClean="0"/>
+              <a:t>function</a:t>
+            </a:r>
+            <a:r>
+              <a:rPr lang="tr-TR" dirty="0" smtClean="0"/>
+              <a:t> </a:t>
+            </a:r>
+            <a:r>
+              <a:rPr lang="tr-TR" dirty="0" err="1" smtClean="0"/>
+              <a:t>calls</a:t>
+            </a:r>
+            <a:r>
+              <a:rPr lang="tr-TR" dirty="0" smtClean="0"/>
+              <a:t>, </a:t>
+            </a:r>
+            <a:r>
+              <a:rPr lang="tr-TR" dirty="0" err="1" smtClean="0"/>
+              <a:t>etc</a:t>
+            </a:r>
+            <a:r>
+              <a:rPr lang="tr-TR" dirty="0" smtClean="0"/>
+              <a:t>.)</a:t>
+            </a:r>
+          </a:p>
+          <a:p>
+            <a:r>
+              <a:rPr lang="tr-TR" b="1" dirty="0" err="1" smtClean="0"/>
+              <a:t>Syntax</a:t>
+            </a:r>
+            <a:r>
+              <a:rPr lang="tr-TR" b="1" dirty="0" smtClean="0"/>
+              <a:t> </a:t>
+            </a:r>
+            <a:r>
+              <a:rPr lang="tr-TR" b="1" dirty="0" err="1" smtClean="0"/>
+              <a:t>Errors</a:t>
+            </a:r>
+            <a:r>
+              <a:rPr lang="tr-TR" b="1" dirty="0" smtClean="0"/>
+              <a:t>: </a:t>
+            </a:r>
+            <a:r>
+              <a:rPr lang="tr-TR" dirty="0" err="1" smtClean="0"/>
+              <a:t>They</a:t>
+            </a:r>
+            <a:r>
+              <a:rPr lang="tr-TR" dirty="0" smtClean="0"/>
+              <a:t> </a:t>
+            </a:r>
+            <a:r>
+              <a:rPr lang="tr-TR" dirty="0" err="1" smtClean="0"/>
+              <a:t>are</a:t>
+            </a:r>
+            <a:r>
+              <a:rPr lang="tr-TR" dirty="0" smtClean="0"/>
+              <a:t> </a:t>
+            </a:r>
+            <a:r>
+              <a:rPr lang="tr-TR" dirty="0" err="1" smtClean="0"/>
+              <a:t>also</a:t>
+            </a:r>
+            <a:r>
+              <a:rPr lang="tr-TR" dirty="0" smtClean="0"/>
+              <a:t> </a:t>
+            </a:r>
+            <a:r>
+              <a:rPr lang="tr-TR" dirty="0" err="1" smtClean="0"/>
+              <a:t>called</a:t>
+            </a:r>
+            <a:r>
+              <a:rPr lang="tr-TR" dirty="0" smtClean="0"/>
+              <a:t> “</a:t>
+            </a:r>
+            <a:r>
+              <a:rPr lang="tr-TR" dirty="0" err="1" smtClean="0"/>
+              <a:t>parsing</a:t>
+            </a:r>
+            <a:r>
+              <a:rPr lang="tr-TR" dirty="0" smtClean="0"/>
+              <a:t> </a:t>
+            </a:r>
+            <a:r>
+              <a:rPr lang="tr-TR" dirty="0" err="1" smtClean="0"/>
+              <a:t>errors</a:t>
+            </a:r>
+            <a:r>
+              <a:rPr lang="tr-TR" dirty="0" smtClean="0"/>
+              <a:t>”. </a:t>
+            </a:r>
+            <a:r>
+              <a:rPr lang="tr-TR" dirty="0" err="1" smtClean="0"/>
+              <a:t>They</a:t>
+            </a:r>
+            <a:r>
+              <a:rPr lang="tr-TR" dirty="0" smtClean="0"/>
+              <a:t> </a:t>
+            </a:r>
+            <a:r>
+              <a:rPr lang="tr-TR" dirty="0" err="1" smtClean="0"/>
+              <a:t>are</a:t>
+            </a:r>
+            <a:r>
+              <a:rPr lang="tr-TR" dirty="0" smtClean="0"/>
+              <a:t> </a:t>
+            </a:r>
+            <a:r>
+              <a:rPr lang="tr-TR" dirty="0" err="1" smtClean="0"/>
+              <a:t>errors</a:t>
+            </a:r>
+            <a:r>
+              <a:rPr lang="tr-TR" dirty="0" smtClean="0"/>
+              <a:t> </a:t>
+            </a:r>
+            <a:r>
+              <a:rPr lang="tr-TR" dirty="0" err="1" smtClean="0"/>
+              <a:t>that</a:t>
+            </a:r>
+            <a:r>
+              <a:rPr lang="tr-TR" dirty="0" smtClean="0"/>
+              <a:t> </a:t>
+            </a:r>
+            <a:r>
+              <a:rPr lang="en-US" dirty="0" smtClean="0"/>
+              <a:t>error in the syntax of a sequence of characters or </a:t>
+            </a:r>
+            <a:r>
+              <a:rPr lang="en-US" dirty="0" smtClean="0"/>
+              <a:t>tokens</a:t>
+            </a:r>
+            <a:r>
+              <a:rPr lang="tr-TR" dirty="0" smtClean="0"/>
+              <a:t>.</a:t>
+            </a:r>
+          </a:p>
+          <a:p>
+            <a:r>
+              <a:rPr lang="tr-TR" b="1" dirty="0" err="1" smtClean="0"/>
+              <a:t>Complier</a:t>
+            </a:r>
+            <a:r>
+              <a:rPr lang="tr-TR" b="1" dirty="0" smtClean="0"/>
+              <a:t> </a:t>
+            </a:r>
+            <a:r>
+              <a:rPr lang="tr-TR" b="1" dirty="0" err="1" smtClean="0"/>
+              <a:t>Errors</a:t>
+            </a:r>
+            <a:r>
+              <a:rPr lang="tr-TR" b="1" dirty="0" smtClean="0"/>
+              <a:t>: </a:t>
+            </a:r>
+            <a:r>
+              <a:rPr lang="tr-TR" dirty="0" err="1" smtClean="0"/>
+              <a:t>These</a:t>
+            </a:r>
+            <a:r>
+              <a:rPr lang="tr-TR" dirty="0" smtClean="0"/>
+              <a:t> </a:t>
+            </a:r>
+            <a:r>
+              <a:rPr lang="tr-TR" dirty="0" err="1" smtClean="0"/>
+              <a:t>are</a:t>
+            </a:r>
+            <a:r>
+              <a:rPr lang="tr-TR" dirty="0" smtClean="0"/>
+              <a:t> </a:t>
+            </a:r>
+            <a:r>
+              <a:rPr lang="tr-TR" dirty="0" err="1" smtClean="0"/>
+              <a:t>errors</a:t>
+            </a:r>
+            <a:r>
+              <a:rPr lang="tr-TR" dirty="0" smtClean="0"/>
+              <a:t> </a:t>
+            </a:r>
+            <a:r>
+              <a:rPr lang="tr-TR" dirty="0" err="1" smtClean="0"/>
+              <a:t>which</a:t>
+            </a:r>
+            <a:r>
+              <a:rPr lang="tr-TR" dirty="0" smtClean="0"/>
+              <a:t> </a:t>
+            </a:r>
+            <a:r>
+              <a:rPr lang="tr-TR" dirty="0" err="1" smtClean="0"/>
+              <a:t>occurs</a:t>
+            </a:r>
+            <a:r>
+              <a:rPr lang="tr-TR" dirty="0" smtClean="0"/>
+              <a:t> </a:t>
+            </a:r>
+            <a:r>
+              <a:rPr lang="tr-TR" dirty="0" err="1" smtClean="0"/>
+              <a:t>before</a:t>
+            </a:r>
+            <a:r>
+              <a:rPr lang="tr-TR" dirty="0" smtClean="0"/>
+              <a:t> program </a:t>
+            </a:r>
+            <a:r>
+              <a:rPr lang="tr-TR" dirty="0" err="1" smtClean="0"/>
+              <a:t>runs</a:t>
+            </a:r>
+            <a:r>
+              <a:rPr lang="tr-TR" dirty="0" smtClean="0"/>
+              <a:t> at </a:t>
+            </a:r>
+            <a:r>
+              <a:rPr lang="tr-TR" dirty="0" err="1" smtClean="0"/>
+              <a:t>compile</a:t>
+            </a:r>
+            <a:r>
+              <a:rPr lang="tr-TR" dirty="0" smtClean="0"/>
+              <a:t>-time. </a:t>
+            </a:r>
+            <a:endParaRPr lang="tr-TR" b="1" dirty="0"/>
           </a:p>
         </p:txBody>
       </p:sp>

--- a/homeworks_musab_sakar.pptx
+++ b/homeworks_musab_sakar.pptx
@@ -21,6 +21,9 @@
     <p:sldId id="269" r:id="rId15"/>
     <p:sldId id="270" r:id="rId16"/>
     <p:sldId id="271" r:id="rId17"/>
+    <p:sldId id="272" r:id="rId18"/>
+    <p:sldId id="273" r:id="rId19"/>
+    <p:sldId id="274" r:id="rId20"/>
   </p:sldIdLst>
   <p:sldSz cx="9144000" cy="6858000" type="screen4x3"/>
   <p:notesSz cx="6858000" cy="9144000"/>
@@ -304,7 +307,7 @@
             <a:fld id="{194CBBFF-B9F9-477E-9B1F-DD9A3FC6F727}" type="datetimeFigureOut">
               <a:rPr lang="tr-TR" smtClean="0"/>
               <a:pPr/>
-              <a:t>4.6.2022</a:t>
+              <a:t>18.6.2022</a:t>
             </a:fld>
             <a:endParaRPr lang="tr-TR"/>
           </a:p>
@@ -471,7 +474,7 @@
             <a:fld id="{194CBBFF-B9F9-477E-9B1F-DD9A3FC6F727}" type="datetimeFigureOut">
               <a:rPr lang="tr-TR" smtClean="0"/>
               <a:pPr/>
-              <a:t>4.6.2022</a:t>
+              <a:t>18.6.2022</a:t>
             </a:fld>
             <a:endParaRPr lang="tr-TR"/>
           </a:p>
@@ -648,7 +651,7 @@
             <a:fld id="{194CBBFF-B9F9-477E-9B1F-DD9A3FC6F727}" type="datetimeFigureOut">
               <a:rPr lang="tr-TR" smtClean="0"/>
               <a:pPr/>
-              <a:t>4.6.2022</a:t>
+              <a:t>18.6.2022</a:t>
             </a:fld>
             <a:endParaRPr lang="tr-TR"/>
           </a:p>
@@ -815,7 +818,7 @@
             <a:fld id="{194CBBFF-B9F9-477E-9B1F-DD9A3FC6F727}" type="datetimeFigureOut">
               <a:rPr lang="tr-TR" smtClean="0"/>
               <a:pPr/>
-              <a:t>4.6.2022</a:t>
+              <a:t>18.6.2022</a:t>
             </a:fld>
             <a:endParaRPr lang="tr-TR"/>
           </a:p>
@@ -1058,7 +1061,7 @@
             <a:fld id="{194CBBFF-B9F9-477E-9B1F-DD9A3FC6F727}" type="datetimeFigureOut">
               <a:rPr lang="tr-TR" smtClean="0"/>
               <a:pPr/>
-              <a:t>4.6.2022</a:t>
+              <a:t>18.6.2022</a:t>
             </a:fld>
             <a:endParaRPr lang="tr-TR"/>
           </a:p>
@@ -1343,7 +1346,7 @@
             <a:fld id="{194CBBFF-B9F9-477E-9B1F-DD9A3FC6F727}" type="datetimeFigureOut">
               <a:rPr lang="tr-TR" smtClean="0"/>
               <a:pPr/>
-              <a:t>4.6.2022</a:t>
+              <a:t>18.6.2022</a:t>
             </a:fld>
             <a:endParaRPr lang="tr-TR"/>
           </a:p>
@@ -1762,7 +1765,7 @@
             <a:fld id="{194CBBFF-B9F9-477E-9B1F-DD9A3FC6F727}" type="datetimeFigureOut">
               <a:rPr lang="tr-TR" smtClean="0"/>
               <a:pPr/>
-              <a:t>4.6.2022</a:t>
+              <a:t>18.6.2022</a:t>
             </a:fld>
             <a:endParaRPr lang="tr-TR"/>
           </a:p>
@@ -1877,7 +1880,7 @@
             <a:fld id="{194CBBFF-B9F9-477E-9B1F-DD9A3FC6F727}" type="datetimeFigureOut">
               <a:rPr lang="tr-TR" smtClean="0"/>
               <a:pPr/>
-              <a:t>4.6.2022</a:t>
+              <a:t>18.6.2022</a:t>
             </a:fld>
             <a:endParaRPr lang="tr-TR"/>
           </a:p>
@@ -1969,7 +1972,7 @@
             <a:fld id="{194CBBFF-B9F9-477E-9B1F-DD9A3FC6F727}" type="datetimeFigureOut">
               <a:rPr lang="tr-TR" smtClean="0"/>
               <a:pPr/>
-              <a:t>4.6.2022</a:t>
+              <a:t>18.6.2022</a:t>
             </a:fld>
             <a:endParaRPr lang="tr-TR"/>
           </a:p>
@@ -2243,7 +2246,7 @@
             <a:fld id="{194CBBFF-B9F9-477E-9B1F-DD9A3FC6F727}" type="datetimeFigureOut">
               <a:rPr lang="tr-TR" smtClean="0"/>
               <a:pPr/>
-              <a:t>4.6.2022</a:t>
+              <a:t>18.6.2022</a:t>
             </a:fld>
             <a:endParaRPr lang="tr-TR"/>
           </a:p>
@@ -2493,7 +2496,7 @@
             <a:fld id="{194CBBFF-B9F9-477E-9B1F-DD9A3FC6F727}" type="datetimeFigureOut">
               <a:rPr lang="tr-TR" smtClean="0"/>
               <a:pPr/>
-              <a:t>4.6.2022</a:t>
+              <a:t>18.6.2022</a:t>
             </a:fld>
             <a:endParaRPr lang="tr-TR"/>
           </a:p>
@@ -2703,7 +2706,7 @@
             <a:fld id="{194CBBFF-B9F9-477E-9B1F-DD9A3FC6F727}" type="datetimeFigureOut">
               <a:rPr lang="tr-TR" smtClean="0"/>
               <a:pPr/>
-              <a:t>4.6.2022</a:t>
+              <a:t>18.6.2022</a:t>
             </a:fld>
             <a:endParaRPr lang="tr-TR"/>
           </a:p>
@@ -5313,11 +5316,7 @@
             </a:r>
             <a:r>
               <a:rPr lang="en-US" dirty="0" smtClean="0"/>
-              <a:t>error in the syntax of a sequence of characters or </a:t>
-            </a:r>
-            <a:r>
-              <a:rPr lang="en-US" dirty="0" smtClean="0"/>
-              <a:t>tokens</a:t>
+              <a:t>error in the syntax of a sequence of characters or tokens</a:t>
             </a:r>
             <a:r>
               <a:rPr lang="tr-TR" dirty="0" smtClean="0"/>
@@ -5406,6 +5405,1264 @@
               <a:t>-time. </a:t>
             </a:r>
             <a:endParaRPr lang="tr-TR" b="1" dirty="0"/>
+          </a:p>
+        </p:txBody>
+      </p:sp>
+    </p:spTree>
+  </p:cSld>
+  <p:clrMapOvr>
+    <a:masterClrMapping/>
+  </p:clrMapOvr>
+</p:sld>
+</file>
+
+<file path=ppt/slides/slide17.xml><?xml version="1.0" encoding="utf-8"?>
+<p:sld xmlns:a="http://schemas.openxmlformats.org/drawingml/2006/main" xmlns:r="http://schemas.openxmlformats.org/officeDocument/2006/relationships" xmlns:p="http://schemas.openxmlformats.org/presentationml/2006/main">
+  <p:cSld>
+    <p:spTree>
+      <p:nvGrpSpPr>
+        <p:cNvPr id="1" name=""/>
+        <p:cNvGrpSpPr/>
+        <p:nvPr/>
+      </p:nvGrpSpPr>
+      <p:grpSpPr>
+        <a:xfrm>
+          <a:off x="0" y="0"/>
+          <a:ext cx="0" cy="0"/>
+          <a:chOff x="0" y="0"/>
+          <a:chExt cx="0" cy="0"/>
+        </a:xfrm>
+      </p:grpSpPr>
+      <p:sp>
+        <p:nvSpPr>
+          <p:cNvPr id="2" name="1 Başlık"/>
+          <p:cNvSpPr>
+            <a:spLocks noGrp="1"/>
+          </p:cNvSpPr>
+          <p:nvPr>
+            <p:ph type="title"/>
+          </p:nvPr>
+        </p:nvSpPr>
+        <p:spPr/>
+        <p:txBody>
+          <a:bodyPr/>
+          <a:lstStyle/>
+          <a:p>
+            <a:r>
+              <a:rPr lang="tr-TR" dirty="0" err="1" smtClean="0"/>
+              <a:t>For</a:t>
+            </a:r>
+            <a:r>
+              <a:rPr lang="tr-TR" dirty="0" smtClean="0"/>
+              <a:t> vs </a:t>
+            </a:r>
+            <a:r>
+              <a:rPr lang="tr-TR" dirty="0" err="1" smtClean="0"/>
+              <a:t>While</a:t>
+            </a:r>
+            <a:endParaRPr lang="tr-TR" dirty="0"/>
+          </a:p>
+        </p:txBody>
+      </p:sp>
+      <p:sp>
+        <p:nvSpPr>
+          <p:cNvPr id="3" name="2 İçerik Yer Tutucusu"/>
+          <p:cNvSpPr>
+            <a:spLocks noGrp="1"/>
+          </p:cNvSpPr>
+          <p:nvPr>
+            <p:ph idx="1"/>
+          </p:nvPr>
+        </p:nvSpPr>
+        <p:spPr/>
+        <p:txBody>
+          <a:bodyPr>
+            <a:normAutofit fontScale="92500" lnSpcReduction="20000"/>
+          </a:bodyPr>
+          <a:lstStyle/>
+          <a:p>
+            <a:r>
+              <a:rPr lang="tr-TR" dirty="0" err="1" smtClean="0"/>
+              <a:t>In</a:t>
+            </a:r>
+            <a:r>
+              <a:rPr lang="tr-TR" dirty="0" smtClean="0"/>
+              <a:t> </a:t>
+            </a:r>
+            <a:r>
+              <a:rPr lang="tr-TR" dirty="0" err="1" smtClean="0"/>
+              <a:t>for</a:t>
+            </a:r>
+            <a:r>
+              <a:rPr lang="tr-TR" dirty="0" smtClean="0"/>
+              <a:t> </a:t>
+            </a:r>
+            <a:r>
+              <a:rPr lang="tr-TR" dirty="0" err="1" smtClean="0"/>
+              <a:t>loop</a:t>
+            </a:r>
+            <a:r>
+              <a:rPr lang="tr-TR" dirty="0" smtClean="0"/>
+              <a:t>, </a:t>
+            </a:r>
+            <a:r>
+              <a:rPr lang="tr-TR" dirty="0" err="1" smtClean="0"/>
+              <a:t>we</a:t>
+            </a:r>
+            <a:r>
+              <a:rPr lang="tr-TR" dirty="0" smtClean="0"/>
+              <a:t> </a:t>
+            </a:r>
+            <a:r>
+              <a:rPr lang="tr-TR" dirty="0" err="1" smtClean="0"/>
+              <a:t>need</a:t>
+            </a:r>
+            <a:r>
+              <a:rPr lang="tr-TR" dirty="0" smtClean="0"/>
+              <a:t> </a:t>
+            </a:r>
+            <a:r>
+              <a:rPr lang="tr-TR" dirty="0" err="1" smtClean="0"/>
+              <a:t>to</a:t>
+            </a:r>
+            <a:r>
+              <a:rPr lang="tr-TR" dirty="0" smtClean="0"/>
+              <a:t> define </a:t>
+            </a:r>
+            <a:r>
+              <a:rPr lang="tr-TR" dirty="0" err="1" smtClean="0"/>
+              <a:t>the</a:t>
+            </a:r>
+            <a:r>
+              <a:rPr lang="tr-TR" dirty="0" smtClean="0"/>
+              <a:t> </a:t>
+            </a:r>
+            <a:r>
+              <a:rPr lang="tr-TR" dirty="0" err="1" smtClean="0"/>
+              <a:t>number</a:t>
+            </a:r>
+            <a:r>
+              <a:rPr lang="tr-TR" dirty="0" smtClean="0"/>
+              <a:t> of </a:t>
+            </a:r>
+            <a:r>
+              <a:rPr lang="tr-TR" dirty="0" err="1" smtClean="0"/>
+              <a:t>iterations</a:t>
+            </a:r>
+            <a:r>
+              <a:rPr lang="tr-TR" dirty="0" smtClean="0"/>
+              <a:t> </a:t>
+            </a:r>
+            <a:r>
+              <a:rPr lang="tr-TR" dirty="0" smtClean="0"/>
+              <a:t>but in </a:t>
+            </a:r>
+            <a:r>
+              <a:rPr lang="tr-TR" dirty="0" err="1" smtClean="0"/>
+              <a:t>while</a:t>
+            </a:r>
+            <a:r>
+              <a:rPr lang="tr-TR" dirty="0" smtClean="0"/>
+              <a:t> </a:t>
+            </a:r>
+            <a:r>
+              <a:rPr lang="tr-TR" dirty="0" err="1" smtClean="0"/>
+              <a:t>loop</a:t>
+            </a:r>
+            <a:r>
+              <a:rPr lang="tr-TR" dirty="0" smtClean="0"/>
+              <a:t>, </a:t>
+            </a:r>
+            <a:r>
+              <a:rPr lang="tr-TR" dirty="0" err="1" smtClean="0"/>
+              <a:t>we</a:t>
+            </a:r>
+            <a:r>
+              <a:rPr lang="tr-TR" dirty="0" smtClean="0"/>
+              <a:t> can </a:t>
+            </a:r>
+            <a:r>
+              <a:rPr lang="tr-TR" dirty="0" err="1" smtClean="0"/>
+              <a:t>make</a:t>
+            </a:r>
+            <a:r>
+              <a:rPr lang="tr-TR" dirty="0" smtClean="0"/>
+              <a:t> </a:t>
+            </a:r>
+            <a:r>
+              <a:rPr lang="tr-TR" dirty="0" err="1" smtClean="0"/>
+              <a:t>infinite</a:t>
+            </a:r>
+            <a:r>
+              <a:rPr lang="tr-TR" dirty="0" smtClean="0"/>
+              <a:t> </a:t>
+            </a:r>
+            <a:r>
+              <a:rPr lang="tr-TR" dirty="0" err="1" smtClean="0"/>
+              <a:t>loop</a:t>
+            </a:r>
+            <a:r>
+              <a:rPr lang="tr-TR" dirty="0" smtClean="0"/>
+              <a:t> </a:t>
+            </a:r>
+            <a:r>
+              <a:rPr lang="tr-TR" dirty="0" err="1" smtClean="0"/>
+              <a:t>if</a:t>
+            </a:r>
+            <a:r>
+              <a:rPr lang="tr-TR" dirty="0" smtClean="0"/>
+              <a:t> </a:t>
+            </a:r>
+            <a:r>
+              <a:rPr lang="tr-TR" dirty="0" err="1" smtClean="0"/>
+              <a:t>we</a:t>
+            </a:r>
+            <a:r>
+              <a:rPr lang="tr-TR" dirty="0" smtClean="0"/>
+              <a:t> </a:t>
+            </a:r>
+            <a:r>
+              <a:rPr lang="tr-TR" dirty="0" err="1" smtClean="0"/>
+              <a:t>want</a:t>
+            </a:r>
+            <a:r>
+              <a:rPr lang="tr-TR" dirty="0" smtClean="0"/>
+              <a:t>. </a:t>
+            </a:r>
+            <a:r>
+              <a:rPr lang="tr-TR" dirty="0" err="1" smtClean="0"/>
+              <a:t>It</a:t>
+            </a:r>
+            <a:r>
+              <a:rPr lang="tr-TR" dirty="0" smtClean="0"/>
+              <a:t> can be </a:t>
+            </a:r>
+            <a:r>
+              <a:rPr lang="tr-TR" dirty="0" err="1" smtClean="0"/>
+              <a:t>useful</a:t>
+            </a:r>
+            <a:r>
+              <a:rPr lang="tr-TR" dirty="0" smtClean="0"/>
+              <a:t> </a:t>
+            </a:r>
+            <a:r>
+              <a:rPr lang="tr-TR" dirty="0" err="1" smtClean="0"/>
+              <a:t>when</a:t>
+            </a:r>
+            <a:r>
+              <a:rPr lang="tr-TR" dirty="0" smtClean="0"/>
+              <a:t> </a:t>
+            </a:r>
+            <a:r>
+              <a:rPr lang="tr-TR" dirty="0" err="1" smtClean="0"/>
+              <a:t>we</a:t>
+            </a:r>
+            <a:r>
+              <a:rPr lang="tr-TR" dirty="0" smtClean="0"/>
+              <a:t> </a:t>
+            </a:r>
+            <a:r>
+              <a:rPr lang="tr-TR" dirty="0" err="1" smtClean="0"/>
+              <a:t>don’t</a:t>
+            </a:r>
+            <a:r>
+              <a:rPr lang="tr-TR" dirty="0" smtClean="0"/>
+              <a:t> </a:t>
+            </a:r>
+            <a:r>
+              <a:rPr lang="tr-TR" dirty="0" err="1" smtClean="0"/>
+              <a:t>now</a:t>
+            </a:r>
+            <a:r>
+              <a:rPr lang="tr-TR" dirty="0" smtClean="0"/>
+              <a:t> </a:t>
+            </a:r>
+            <a:r>
+              <a:rPr lang="tr-TR" dirty="0" err="1" smtClean="0"/>
+              <a:t>how</a:t>
+            </a:r>
+            <a:r>
+              <a:rPr lang="tr-TR" dirty="0" smtClean="0"/>
+              <a:t> </a:t>
+            </a:r>
+            <a:r>
+              <a:rPr lang="tr-TR" dirty="0" err="1" smtClean="0"/>
+              <a:t>many</a:t>
+            </a:r>
+            <a:r>
+              <a:rPr lang="tr-TR" dirty="0" smtClean="0"/>
+              <a:t> </a:t>
+            </a:r>
+            <a:r>
+              <a:rPr lang="tr-TR" dirty="0" err="1" smtClean="0"/>
+              <a:t>iterations</a:t>
+            </a:r>
+            <a:r>
+              <a:rPr lang="tr-TR" dirty="0" smtClean="0"/>
+              <a:t> </a:t>
+            </a:r>
+            <a:r>
+              <a:rPr lang="tr-TR" dirty="0" err="1" smtClean="0"/>
+              <a:t>needed</a:t>
+            </a:r>
+            <a:r>
+              <a:rPr lang="tr-TR" dirty="0" smtClean="0"/>
+              <a:t> </a:t>
+            </a:r>
+            <a:r>
+              <a:rPr lang="tr-TR" dirty="0" err="1" smtClean="0"/>
+              <a:t>until</a:t>
+            </a:r>
+            <a:r>
+              <a:rPr lang="tr-TR" dirty="0" smtClean="0"/>
+              <a:t> </a:t>
+            </a:r>
+            <a:r>
+              <a:rPr lang="tr-TR" dirty="0" err="1" smtClean="0"/>
+              <a:t>process</a:t>
+            </a:r>
+            <a:r>
+              <a:rPr lang="tr-TR" dirty="0" smtClean="0"/>
+              <a:t> done </a:t>
+            </a:r>
+            <a:r>
+              <a:rPr lang="tr-TR" dirty="0" err="1" smtClean="0"/>
+              <a:t>or</a:t>
+            </a:r>
+            <a:r>
+              <a:rPr lang="tr-TR" dirty="0" smtClean="0"/>
+              <a:t> </a:t>
+            </a:r>
+            <a:r>
+              <a:rPr lang="tr-TR" dirty="0" err="1" smtClean="0"/>
+              <a:t>when</a:t>
+            </a:r>
+            <a:r>
+              <a:rPr lang="tr-TR" dirty="0" smtClean="0"/>
+              <a:t> </a:t>
+            </a:r>
+            <a:r>
+              <a:rPr lang="tr-TR" dirty="0" err="1" smtClean="0"/>
+              <a:t>the</a:t>
+            </a:r>
+            <a:r>
+              <a:rPr lang="tr-TR" dirty="0" smtClean="0"/>
+              <a:t> </a:t>
+            </a:r>
+            <a:r>
+              <a:rPr lang="tr-TR" dirty="0" err="1" smtClean="0"/>
+              <a:t>condition</a:t>
+            </a:r>
+            <a:r>
+              <a:rPr lang="tr-TR" dirty="0" smtClean="0"/>
+              <a:t> is not a </a:t>
+            </a:r>
+            <a:r>
+              <a:rPr lang="tr-TR" dirty="0" err="1" smtClean="0"/>
+              <a:t>number</a:t>
+            </a:r>
+            <a:r>
+              <a:rPr lang="tr-TR" dirty="0" smtClean="0"/>
+              <a:t>. But </a:t>
+            </a:r>
+            <a:r>
+              <a:rPr lang="tr-TR" dirty="0" err="1" smtClean="0"/>
+              <a:t>if</a:t>
+            </a:r>
+            <a:r>
+              <a:rPr lang="tr-TR" dirty="0" smtClean="0"/>
+              <a:t> </a:t>
+            </a:r>
+            <a:r>
+              <a:rPr lang="tr-TR" dirty="0" err="1" smtClean="0"/>
+              <a:t>we</a:t>
+            </a:r>
+            <a:r>
+              <a:rPr lang="tr-TR" dirty="0" smtClean="0"/>
+              <a:t> </a:t>
+            </a:r>
+            <a:r>
+              <a:rPr lang="tr-TR" dirty="0" err="1" smtClean="0"/>
+              <a:t>want</a:t>
+            </a:r>
+            <a:r>
+              <a:rPr lang="tr-TR" dirty="0" smtClean="0"/>
+              <a:t> </a:t>
+            </a:r>
+            <a:r>
+              <a:rPr lang="tr-TR" dirty="0" err="1" smtClean="0"/>
+              <a:t>limited</a:t>
+            </a:r>
+            <a:r>
+              <a:rPr lang="tr-TR" dirty="0" smtClean="0"/>
+              <a:t> </a:t>
+            </a:r>
+            <a:r>
+              <a:rPr lang="tr-TR" dirty="0" err="1" smtClean="0"/>
+              <a:t>number</a:t>
+            </a:r>
+            <a:r>
+              <a:rPr lang="tr-TR" dirty="0" smtClean="0"/>
+              <a:t> of </a:t>
+            </a:r>
+            <a:r>
+              <a:rPr lang="tr-TR" dirty="0" err="1" smtClean="0"/>
+              <a:t>iterations</a:t>
+            </a:r>
+            <a:r>
+              <a:rPr lang="tr-TR" dirty="0" smtClean="0"/>
+              <a:t>, </a:t>
+            </a:r>
+            <a:r>
+              <a:rPr lang="tr-TR" dirty="0" err="1" smtClean="0"/>
+              <a:t>for</a:t>
+            </a:r>
+            <a:r>
+              <a:rPr lang="tr-TR" dirty="0" smtClean="0"/>
+              <a:t> </a:t>
+            </a:r>
+            <a:r>
+              <a:rPr lang="tr-TR" dirty="0" err="1" smtClean="0"/>
+              <a:t>loop</a:t>
+            </a:r>
+            <a:r>
+              <a:rPr lang="tr-TR" dirty="0" smtClean="0"/>
+              <a:t> is </a:t>
+            </a:r>
+            <a:r>
+              <a:rPr lang="tr-TR" dirty="0" err="1" smtClean="0"/>
+              <a:t>more</a:t>
+            </a:r>
+            <a:r>
+              <a:rPr lang="tr-TR" dirty="0" smtClean="0"/>
+              <a:t> </a:t>
+            </a:r>
+            <a:r>
+              <a:rPr lang="tr-TR" dirty="0" err="1" smtClean="0"/>
+              <a:t>practical</a:t>
+            </a:r>
+            <a:r>
+              <a:rPr lang="tr-TR" dirty="0" smtClean="0"/>
+              <a:t> </a:t>
+            </a:r>
+            <a:r>
+              <a:rPr lang="tr-TR" dirty="0" err="1" smtClean="0"/>
+              <a:t>because</a:t>
+            </a:r>
+            <a:r>
+              <a:rPr lang="tr-TR" dirty="0" smtClean="0"/>
+              <a:t> </a:t>
+            </a:r>
+            <a:r>
+              <a:rPr lang="tr-TR" dirty="0" err="1" smtClean="0"/>
+              <a:t>we</a:t>
+            </a:r>
+            <a:r>
+              <a:rPr lang="tr-TR" dirty="0" smtClean="0"/>
+              <a:t> can </a:t>
+            </a:r>
+            <a:r>
+              <a:rPr lang="tr-TR" dirty="0" smtClean="0"/>
+              <a:t>define </a:t>
+            </a:r>
+            <a:r>
+              <a:rPr lang="tr-TR" dirty="0" err="1" smtClean="0"/>
+              <a:t>initialization</a:t>
+            </a:r>
+            <a:r>
+              <a:rPr lang="tr-TR" dirty="0" smtClean="0"/>
+              <a:t>, </a:t>
+            </a:r>
+            <a:r>
+              <a:rPr lang="tr-TR" dirty="0" err="1" smtClean="0"/>
+              <a:t>condition</a:t>
+            </a:r>
+            <a:r>
+              <a:rPr lang="tr-TR" dirty="0" smtClean="0"/>
+              <a:t> </a:t>
+            </a:r>
+            <a:r>
+              <a:rPr lang="tr-TR" dirty="0" err="1" smtClean="0"/>
+              <a:t>and</a:t>
+            </a:r>
+            <a:r>
+              <a:rPr lang="tr-TR" dirty="0" smtClean="0"/>
+              <a:t> </a:t>
+            </a:r>
+            <a:r>
+              <a:rPr lang="tr-TR" dirty="0" err="1" smtClean="0"/>
+              <a:t>increment</a:t>
+            </a:r>
+            <a:r>
+              <a:rPr lang="tr-TR" dirty="0" smtClean="0"/>
+              <a:t> in </a:t>
+            </a:r>
+            <a:r>
+              <a:rPr lang="tr-TR" dirty="0" err="1" smtClean="0"/>
+              <a:t>single</a:t>
+            </a:r>
+            <a:r>
+              <a:rPr lang="tr-TR" dirty="0" smtClean="0"/>
+              <a:t> </a:t>
+            </a:r>
+            <a:r>
+              <a:rPr lang="tr-TR" dirty="0" err="1" smtClean="0"/>
+              <a:t>line</a:t>
+            </a:r>
+            <a:r>
+              <a:rPr lang="tr-TR" dirty="0" smtClean="0"/>
+              <a:t>.</a:t>
+            </a:r>
+          </a:p>
+          <a:p>
+            <a:r>
+              <a:rPr lang="tr-TR" dirty="0" smtClean="0"/>
+              <a:t> </a:t>
+            </a:r>
+            <a:r>
+              <a:rPr lang="tr-TR" dirty="0" err="1" smtClean="0"/>
+              <a:t>Also</a:t>
+            </a:r>
+            <a:r>
+              <a:rPr lang="tr-TR" dirty="0" smtClean="0"/>
+              <a:t> </a:t>
+            </a:r>
+            <a:r>
+              <a:rPr lang="tr-TR" dirty="0" err="1" smtClean="0"/>
+              <a:t>for</a:t>
+            </a:r>
+            <a:r>
+              <a:rPr lang="tr-TR" dirty="0" smtClean="0"/>
+              <a:t> </a:t>
+            </a:r>
+            <a:r>
+              <a:rPr lang="tr-TR" dirty="0" err="1" smtClean="0"/>
+              <a:t>loop</a:t>
+            </a:r>
+            <a:r>
+              <a:rPr lang="tr-TR" dirty="0" smtClean="0"/>
+              <a:t> is </a:t>
+            </a:r>
+            <a:r>
+              <a:rPr lang="tr-TR" dirty="0" err="1" smtClean="0"/>
+              <a:t>more</a:t>
+            </a:r>
+            <a:r>
+              <a:rPr lang="tr-TR" dirty="0" smtClean="0"/>
+              <a:t> </a:t>
+            </a:r>
+            <a:r>
+              <a:rPr lang="tr-TR" dirty="0" err="1" smtClean="0"/>
+              <a:t>useful</a:t>
+            </a:r>
+            <a:r>
+              <a:rPr lang="tr-TR" dirty="0" smtClean="0"/>
+              <a:t> </a:t>
+            </a:r>
+            <a:r>
+              <a:rPr lang="tr-TR" dirty="0" err="1" smtClean="0"/>
+              <a:t>if</a:t>
+            </a:r>
+            <a:r>
+              <a:rPr lang="tr-TR" dirty="0" smtClean="0"/>
+              <a:t> </a:t>
+            </a:r>
+            <a:r>
+              <a:rPr lang="tr-TR" dirty="0" err="1" smtClean="0"/>
+              <a:t>we</a:t>
+            </a:r>
+            <a:r>
+              <a:rPr lang="tr-TR" dirty="0" smtClean="0"/>
+              <a:t> </a:t>
+            </a:r>
+            <a:r>
+              <a:rPr lang="tr-TR" dirty="0" err="1" smtClean="0"/>
+              <a:t>process</a:t>
+            </a:r>
+            <a:r>
+              <a:rPr lang="tr-TR" dirty="0" smtClean="0"/>
+              <a:t> </a:t>
+            </a:r>
+            <a:r>
+              <a:rPr lang="tr-TR" dirty="0" err="1" smtClean="0"/>
+              <a:t>with</a:t>
+            </a:r>
+            <a:r>
+              <a:rPr lang="tr-TR" dirty="0" smtClean="0"/>
+              <a:t> </a:t>
+            </a:r>
+            <a:r>
+              <a:rPr lang="tr-TR" dirty="0" err="1" smtClean="0"/>
+              <a:t>elements</a:t>
+            </a:r>
+            <a:r>
+              <a:rPr lang="tr-TR" dirty="0" smtClean="0"/>
+              <a:t> of an </a:t>
+            </a:r>
+            <a:r>
+              <a:rPr lang="tr-TR" dirty="0" err="1" smtClean="0"/>
+              <a:t>array</a:t>
+            </a:r>
+            <a:r>
+              <a:rPr lang="tr-TR" dirty="0" smtClean="0"/>
+              <a:t> </a:t>
+            </a:r>
+            <a:r>
+              <a:rPr lang="tr-TR" dirty="0" err="1" smtClean="0"/>
+              <a:t>or</a:t>
+            </a:r>
+            <a:r>
+              <a:rPr lang="tr-TR" dirty="0" smtClean="0"/>
+              <a:t> </a:t>
+            </a:r>
+            <a:r>
+              <a:rPr lang="tr-TR" dirty="0" err="1" smtClean="0"/>
+              <a:t>properties</a:t>
+            </a:r>
+            <a:r>
+              <a:rPr lang="tr-TR" dirty="0" smtClean="0"/>
+              <a:t> of an </a:t>
+            </a:r>
+            <a:r>
+              <a:rPr lang="tr-TR" dirty="0" err="1" smtClean="0"/>
+              <a:t>object</a:t>
+            </a:r>
+            <a:r>
+              <a:rPr lang="tr-TR" dirty="0" smtClean="0"/>
+              <a:t>.</a:t>
+            </a:r>
+            <a:endParaRPr lang="tr-TR" dirty="0" smtClean="0"/>
+          </a:p>
+          <a:p>
+            <a:endParaRPr lang="tr-TR" dirty="0"/>
+          </a:p>
+        </p:txBody>
+      </p:sp>
+    </p:spTree>
+  </p:cSld>
+  <p:clrMapOvr>
+    <a:masterClrMapping/>
+  </p:clrMapOvr>
+</p:sld>
+</file>
+
+<file path=ppt/slides/slide18.xml><?xml version="1.0" encoding="utf-8"?>
+<p:sld xmlns:a="http://schemas.openxmlformats.org/drawingml/2006/main" xmlns:r="http://schemas.openxmlformats.org/officeDocument/2006/relationships" xmlns:p="http://schemas.openxmlformats.org/presentationml/2006/main">
+  <p:cSld>
+    <p:spTree>
+      <p:nvGrpSpPr>
+        <p:cNvPr id="1" name=""/>
+        <p:cNvGrpSpPr/>
+        <p:nvPr/>
+      </p:nvGrpSpPr>
+      <p:grpSpPr>
+        <a:xfrm>
+          <a:off x="0" y="0"/>
+          <a:ext cx="0" cy="0"/>
+          <a:chOff x="0" y="0"/>
+          <a:chExt cx="0" cy="0"/>
+        </a:xfrm>
+      </p:grpSpPr>
+      <p:sp>
+        <p:nvSpPr>
+          <p:cNvPr id="2" name="1 Başlık"/>
+          <p:cNvSpPr>
+            <a:spLocks noGrp="1"/>
+          </p:cNvSpPr>
+          <p:nvPr>
+            <p:ph type="title"/>
+          </p:nvPr>
+        </p:nvSpPr>
+        <p:spPr/>
+        <p:txBody>
+          <a:bodyPr>
+            <a:normAutofit/>
+          </a:bodyPr>
+          <a:lstStyle/>
+          <a:p>
+            <a:r>
+              <a:rPr lang="tr-TR" dirty="0" err="1" smtClean="0"/>
+              <a:t>Literal</a:t>
+            </a:r>
+            <a:r>
+              <a:rPr lang="tr-TR" dirty="0" smtClean="0"/>
+              <a:t> </a:t>
+            </a:r>
+            <a:r>
+              <a:rPr lang="tr-TR" dirty="0" err="1" smtClean="0"/>
+              <a:t>Syntax</a:t>
+            </a:r>
+            <a:r>
+              <a:rPr lang="tr-TR" dirty="0" smtClean="0"/>
+              <a:t> </a:t>
+            </a:r>
+            <a:r>
+              <a:rPr lang="tr-TR" dirty="0" smtClean="0"/>
+              <a:t>vs </a:t>
+            </a:r>
+            <a:r>
+              <a:rPr lang="tr-TR" dirty="0" err="1" smtClean="0"/>
+              <a:t>Constructor</a:t>
+            </a:r>
+            <a:r>
+              <a:rPr lang="tr-TR" dirty="0" smtClean="0"/>
+              <a:t> </a:t>
+            </a:r>
+            <a:r>
+              <a:rPr lang="tr-TR" dirty="0" err="1" smtClean="0"/>
+              <a:t>Syntax</a:t>
+            </a:r>
+            <a:endParaRPr lang="tr-TR" dirty="0"/>
+          </a:p>
+        </p:txBody>
+      </p:sp>
+      <p:sp>
+        <p:nvSpPr>
+          <p:cNvPr id="3" name="2 İçerik Yer Tutucusu"/>
+          <p:cNvSpPr>
+            <a:spLocks noGrp="1"/>
+          </p:cNvSpPr>
+          <p:nvPr>
+            <p:ph idx="1"/>
+          </p:nvPr>
+        </p:nvSpPr>
+        <p:spPr/>
+        <p:txBody>
+          <a:bodyPr/>
+          <a:lstStyle/>
+          <a:p>
+            <a:r>
+              <a:rPr lang="tr-TR" dirty="0" err="1" smtClean="0"/>
+              <a:t>There</a:t>
+            </a:r>
+            <a:r>
+              <a:rPr lang="tr-TR" dirty="0" smtClean="0"/>
+              <a:t> </a:t>
+            </a:r>
+            <a:r>
+              <a:rPr lang="tr-TR" dirty="0" err="1" smtClean="0"/>
+              <a:t>are</a:t>
+            </a:r>
+            <a:r>
+              <a:rPr lang="tr-TR" dirty="0" smtClean="0"/>
+              <a:t> </a:t>
+            </a:r>
+            <a:r>
+              <a:rPr lang="tr-TR" dirty="0" err="1" smtClean="0"/>
+              <a:t>two</a:t>
+            </a:r>
+            <a:r>
+              <a:rPr lang="tr-TR" dirty="0" smtClean="0"/>
+              <a:t> </a:t>
+            </a:r>
+            <a:r>
+              <a:rPr lang="tr-TR" dirty="0" err="1" smtClean="0"/>
+              <a:t>main</a:t>
+            </a:r>
+            <a:r>
+              <a:rPr lang="tr-TR" dirty="0" smtClean="0"/>
+              <a:t> </a:t>
+            </a:r>
+            <a:r>
+              <a:rPr lang="tr-TR" dirty="0" err="1" smtClean="0"/>
+              <a:t>ways</a:t>
+            </a:r>
+            <a:r>
+              <a:rPr lang="tr-TR" dirty="0" smtClean="0"/>
+              <a:t> </a:t>
+            </a:r>
+            <a:r>
+              <a:rPr lang="tr-TR" dirty="0" err="1" smtClean="0"/>
+              <a:t>to</a:t>
+            </a:r>
+            <a:r>
+              <a:rPr lang="tr-TR" dirty="0" smtClean="0"/>
+              <a:t> </a:t>
+            </a:r>
+            <a:r>
+              <a:rPr lang="tr-TR" dirty="0" err="1" smtClean="0"/>
+              <a:t>declare</a:t>
+            </a:r>
+            <a:r>
+              <a:rPr lang="tr-TR" dirty="0" smtClean="0"/>
+              <a:t> an </a:t>
+            </a:r>
+            <a:r>
+              <a:rPr lang="tr-TR" dirty="0" err="1" smtClean="0"/>
+              <a:t>array</a:t>
+            </a:r>
+            <a:r>
+              <a:rPr lang="tr-TR" dirty="0" smtClean="0"/>
+              <a:t> </a:t>
+            </a:r>
+            <a:r>
+              <a:rPr lang="tr-TR" dirty="0" err="1" smtClean="0"/>
+              <a:t>which</a:t>
+            </a:r>
+            <a:r>
+              <a:rPr lang="tr-TR" dirty="0" smtClean="0"/>
+              <a:t> </a:t>
+            </a:r>
+            <a:r>
+              <a:rPr lang="tr-TR" dirty="0" err="1" smtClean="0"/>
+              <a:t>are</a:t>
+            </a:r>
+            <a:r>
+              <a:rPr lang="tr-TR" dirty="0" smtClean="0"/>
+              <a:t> </a:t>
+            </a:r>
+            <a:r>
+              <a:rPr lang="tr-TR" dirty="0" err="1" smtClean="0"/>
+              <a:t>literal</a:t>
+            </a:r>
+            <a:r>
+              <a:rPr lang="tr-TR" dirty="0" smtClean="0"/>
+              <a:t> </a:t>
+            </a:r>
+            <a:r>
+              <a:rPr lang="tr-TR" dirty="0" err="1" smtClean="0"/>
+              <a:t>syntax</a:t>
+            </a:r>
+            <a:r>
+              <a:rPr lang="tr-TR" dirty="0" smtClean="0"/>
+              <a:t>( </a:t>
+            </a:r>
+            <a:r>
+              <a:rPr lang="tr-TR" dirty="0" err="1" smtClean="0"/>
+              <a:t>array</a:t>
+            </a:r>
+            <a:r>
+              <a:rPr lang="tr-TR" dirty="0" smtClean="0"/>
+              <a:t>=[],</a:t>
+            </a:r>
+            <a:r>
+              <a:rPr lang="tr-TR" dirty="0" err="1" smtClean="0"/>
+              <a:t>etc</a:t>
+            </a:r>
+            <a:r>
+              <a:rPr lang="tr-TR" dirty="0" smtClean="0"/>
+              <a:t>.) </a:t>
+            </a:r>
+            <a:r>
+              <a:rPr lang="tr-TR" dirty="0" err="1" smtClean="0"/>
+              <a:t>and</a:t>
+            </a:r>
+            <a:r>
+              <a:rPr lang="tr-TR" dirty="0" smtClean="0"/>
+              <a:t> </a:t>
+            </a:r>
+            <a:r>
+              <a:rPr lang="tr-TR" dirty="0" err="1" smtClean="0"/>
+              <a:t>constructor</a:t>
+            </a:r>
+            <a:r>
+              <a:rPr lang="tr-TR" dirty="0" smtClean="0"/>
+              <a:t> </a:t>
+            </a:r>
+            <a:r>
+              <a:rPr lang="tr-TR" dirty="0" err="1" smtClean="0"/>
+              <a:t>syntax</a:t>
+            </a:r>
+            <a:r>
+              <a:rPr lang="tr-TR" dirty="0" smtClean="0"/>
+              <a:t>(</a:t>
+            </a:r>
+            <a:r>
+              <a:rPr lang="tr-TR" dirty="0" err="1" smtClean="0"/>
+              <a:t>array</a:t>
+            </a:r>
+            <a:r>
+              <a:rPr lang="tr-TR" dirty="0" smtClean="0"/>
+              <a:t> = </a:t>
+            </a:r>
+            <a:r>
+              <a:rPr lang="tr-TR" dirty="0" err="1" smtClean="0"/>
+              <a:t>new</a:t>
+            </a:r>
+            <a:r>
+              <a:rPr lang="tr-TR" dirty="0" smtClean="0"/>
+              <a:t> </a:t>
+            </a:r>
+            <a:r>
+              <a:rPr lang="tr-TR" dirty="0" err="1" smtClean="0"/>
+              <a:t>Array</a:t>
+            </a:r>
+            <a:r>
+              <a:rPr lang="tr-TR" dirty="0" smtClean="0"/>
+              <a:t>(),</a:t>
+            </a:r>
+            <a:r>
+              <a:rPr lang="tr-TR" dirty="0" err="1" smtClean="0"/>
+              <a:t>etc</a:t>
+            </a:r>
+            <a:r>
+              <a:rPr lang="tr-TR" dirty="0" smtClean="0"/>
+              <a:t>.).</a:t>
+            </a:r>
+          </a:p>
+          <a:p>
+            <a:r>
+              <a:rPr lang="tr-TR" dirty="0" smtClean="0"/>
+              <a:t>L</a:t>
+            </a:r>
+            <a:r>
+              <a:rPr lang="en-US" dirty="0" err="1" smtClean="0"/>
+              <a:t>iteral</a:t>
+            </a:r>
+            <a:r>
+              <a:rPr lang="en-US" dirty="0" smtClean="0"/>
+              <a:t> syntax </a:t>
+            </a:r>
+            <a:r>
+              <a:rPr lang="en-US" dirty="0" smtClean="0"/>
+              <a:t>is preferred over constructor </a:t>
+            </a:r>
+            <a:r>
+              <a:rPr lang="en-US" dirty="0" smtClean="0"/>
+              <a:t>syntax</a:t>
+            </a:r>
+            <a:r>
+              <a:rPr lang="tr-TR" dirty="0" smtClean="0"/>
+              <a:t> </a:t>
+            </a:r>
+            <a:r>
+              <a:rPr lang="tr-TR" dirty="0" err="1" smtClean="0"/>
+              <a:t>from</a:t>
+            </a:r>
+            <a:r>
+              <a:rPr lang="tr-TR" dirty="0" smtClean="0"/>
+              <a:t> </a:t>
+            </a:r>
+            <a:r>
+              <a:rPr lang="tr-TR" dirty="0" err="1" smtClean="0"/>
+              <a:t>by</a:t>
+            </a:r>
+            <a:r>
+              <a:rPr lang="tr-TR" dirty="0" smtClean="0"/>
+              <a:t> </a:t>
+            </a:r>
+            <a:r>
+              <a:rPr lang="tr-TR" dirty="0" err="1" smtClean="0"/>
+              <a:t>most</a:t>
+            </a:r>
+            <a:r>
+              <a:rPr lang="tr-TR" dirty="0" smtClean="0"/>
+              <a:t> </a:t>
+            </a:r>
+            <a:r>
+              <a:rPr lang="tr-TR" dirty="0" err="1" smtClean="0"/>
+              <a:t>programmers</a:t>
+            </a:r>
+            <a:r>
+              <a:rPr lang="tr-TR" dirty="0" smtClean="0"/>
+              <a:t>.</a:t>
+            </a:r>
+            <a:endParaRPr lang="tr-TR" dirty="0" smtClean="0"/>
+          </a:p>
+          <a:p>
+            <a:r>
+              <a:rPr lang="tr-TR" dirty="0" err="1" smtClean="0"/>
+              <a:t>L</a:t>
+            </a:r>
+            <a:r>
+              <a:rPr lang="tr-TR" dirty="0" err="1" smtClean="0"/>
+              <a:t>iteral</a:t>
+            </a:r>
+            <a:r>
+              <a:rPr lang="tr-TR" dirty="0" smtClean="0"/>
+              <a:t> </a:t>
+            </a:r>
+            <a:r>
+              <a:rPr lang="tr-TR" dirty="0" err="1" smtClean="0"/>
+              <a:t>syntax</a:t>
+            </a:r>
+            <a:r>
+              <a:rPr lang="tr-TR" dirty="0" smtClean="0"/>
+              <a:t> is </a:t>
+            </a:r>
+            <a:r>
+              <a:rPr lang="tr-TR" dirty="0" err="1" smtClean="0"/>
+              <a:t>easier</a:t>
+            </a:r>
+            <a:r>
+              <a:rPr lang="tr-TR" dirty="0" smtClean="0"/>
+              <a:t>, </a:t>
+            </a:r>
+            <a:r>
+              <a:rPr lang="tr-TR" dirty="0" err="1" smtClean="0"/>
+              <a:t>shorter</a:t>
+            </a:r>
+            <a:r>
+              <a:rPr lang="tr-TR" dirty="0" smtClean="0"/>
+              <a:t> </a:t>
+            </a:r>
+            <a:r>
+              <a:rPr lang="tr-TR" dirty="0" err="1" smtClean="0"/>
+              <a:t>and</a:t>
+            </a:r>
+            <a:r>
+              <a:rPr lang="tr-TR" dirty="0" smtClean="0"/>
+              <a:t> </a:t>
+            </a:r>
+            <a:r>
+              <a:rPr lang="tr-TR" dirty="0" err="1" smtClean="0"/>
+              <a:t>more</a:t>
+            </a:r>
+            <a:r>
+              <a:rPr lang="tr-TR" dirty="0" smtClean="0"/>
+              <a:t> </a:t>
+            </a:r>
+            <a:r>
+              <a:rPr lang="tr-TR" dirty="0" err="1" smtClean="0"/>
+              <a:t>practical</a:t>
+            </a:r>
+            <a:r>
+              <a:rPr lang="tr-TR" dirty="0" smtClean="0"/>
+              <a:t> </a:t>
+            </a:r>
+            <a:r>
+              <a:rPr lang="tr-TR" dirty="0" err="1" smtClean="0"/>
+              <a:t>than</a:t>
+            </a:r>
+            <a:r>
+              <a:rPr lang="tr-TR" dirty="0" smtClean="0"/>
+              <a:t> </a:t>
+            </a:r>
+            <a:r>
+              <a:rPr lang="tr-TR" dirty="0" err="1" smtClean="0"/>
+              <a:t>constructor</a:t>
+            </a:r>
+            <a:r>
+              <a:rPr lang="tr-TR" dirty="0" smtClean="0"/>
+              <a:t> </a:t>
+            </a:r>
+            <a:r>
+              <a:rPr lang="tr-TR" dirty="0" err="1" smtClean="0"/>
+              <a:t>syntax</a:t>
+            </a:r>
+            <a:r>
+              <a:rPr lang="tr-TR" dirty="0" smtClean="0"/>
+              <a:t>. </a:t>
+            </a:r>
+            <a:r>
+              <a:rPr lang="tr-TR" dirty="0" smtClean="0"/>
+              <a:t>T</a:t>
+            </a:r>
+            <a:r>
+              <a:rPr lang="en-US" dirty="0" smtClean="0"/>
+              <a:t>his </a:t>
+            </a:r>
+            <a:r>
+              <a:rPr lang="en-US" dirty="0" smtClean="0"/>
+              <a:t>is the main reason why it is more </a:t>
+            </a:r>
+            <a:r>
+              <a:rPr lang="en-US" dirty="0" smtClean="0"/>
+              <a:t>preferred</a:t>
+            </a:r>
+            <a:r>
+              <a:rPr lang="tr-TR" dirty="0" smtClean="0"/>
+              <a:t>.</a:t>
+            </a:r>
+            <a:endParaRPr lang="tr-TR" dirty="0"/>
+          </a:p>
+        </p:txBody>
+      </p:sp>
+    </p:spTree>
+  </p:cSld>
+  <p:clrMapOvr>
+    <a:masterClrMapping/>
+  </p:clrMapOvr>
+</p:sld>
+</file>
+
+<file path=ppt/slides/slide19.xml><?xml version="1.0" encoding="utf-8"?>
+<p:sld xmlns:a="http://schemas.openxmlformats.org/drawingml/2006/main" xmlns:r="http://schemas.openxmlformats.org/officeDocument/2006/relationships" xmlns:p="http://schemas.openxmlformats.org/presentationml/2006/main">
+  <p:cSld>
+    <p:spTree>
+      <p:nvGrpSpPr>
+        <p:cNvPr id="1" name=""/>
+        <p:cNvGrpSpPr/>
+        <p:nvPr/>
+      </p:nvGrpSpPr>
+      <p:grpSpPr>
+        <a:xfrm>
+          <a:off x="0" y="0"/>
+          <a:ext cx="0" cy="0"/>
+          <a:chOff x="0" y="0"/>
+          <a:chExt cx="0" cy="0"/>
+        </a:xfrm>
+      </p:grpSpPr>
+      <p:sp>
+        <p:nvSpPr>
+          <p:cNvPr id="3" name="2 İçerik Yer Tutucusu"/>
+          <p:cNvSpPr>
+            <a:spLocks noGrp="1"/>
+          </p:cNvSpPr>
+          <p:nvPr>
+            <p:ph idx="1"/>
+          </p:nvPr>
+        </p:nvSpPr>
+        <p:spPr/>
+        <p:txBody>
+          <a:bodyPr/>
+          <a:lstStyle/>
+          <a:p>
+            <a:r>
+              <a:rPr lang="tr-TR" dirty="0" err="1" smtClean="0"/>
+              <a:t>Array</a:t>
+            </a:r>
+            <a:r>
+              <a:rPr lang="tr-TR" dirty="0" smtClean="0"/>
+              <a:t>() </a:t>
+            </a:r>
+            <a:r>
+              <a:rPr lang="tr-TR" dirty="0" err="1" smtClean="0"/>
+              <a:t>structure</a:t>
+            </a:r>
+            <a:r>
+              <a:rPr lang="tr-TR" dirty="0" smtClean="0"/>
+              <a:t> in </a:t>
+            </a:r>
+            <a:r>
+              <a:rPr lang="tr-TR" dirty="0" err="1" smtClean="0"/>
+              <a:t>constructor</a:t>
+            </a:r>
+            <a:r>
+              <a:rPr lang="tr-TR" dirty="0" smtClean="0"/>
+              <a:t> </a:t>
+            </a:r>
+            <a:r>
+              <a:rPr lang="tr-TR" dirty="0" err="1" smtClean="0"/>
+              <a:t>syntax</a:t>
+            </a:r>
+            <a:r>
+              <a:rPr lang="tr-TR" dirty="0" smtClean="0"/>
+              <a:t> can be </a:t>
+            </a:r>
+            <a:r>
+              <a:rPr lang="tr-TR" dirty="0" err="1" smtClean="0"/>
+              <a:t>overridden</a:t>
+            </a:r>
+            <a:r>
+              <a:rPr lang="tr-TR" dirty="0" smtClean="0"/>
+              <a:t> </a:t>
+            </a:r>
+            <a:r>
+              <a:rPr lang="tr-TR" dirty="0" err="1" smtClean="0"/>
+              <a:t>therefore</a:t>
+            </a:r>
+            <a:r>
+              <a:rPr lang="tr-TR" dirty="0" smtClean="0"/>
+              <a:t> it </a:t>
+            </a:r>
+            <a:r>
+              <a:rPr lang="tr-TR" dirty="0" err="1" smtClean="0"/>
+              <a:t>may</a:t>
+            </a:r>
+            <a:r>
+              <a:rPr lang="tr-TR" dirty="0" smtClean="0"/>
+              <a:t> </a:t>
+            </a:r>
+            <a:r>
+              <a:rPr lang="tr-TR" dirty="0" err="1" smtClean="0"/>
+              <a:t>cause</a:t>
+            </a:r>
+            <a:r>
+              <a:rPr lang="tr-TR" dirty="0" smtClean="0"/>
+              <a:t> </a:t>
+            </a:r>
+            <a:r>
+              <a:rPr lang="tr-TR" dirty="0" err="1" smtClean="0"/>
+              <a:t>problems</a:t>
+            </a:r>
+            <a:r>
+              <a:rPr lang="tr-TR" dirty="0" smtClean="0"/>
+              <a:t> in </a:t>
+            </a:r>
+            <a:r>
+              <a:rPr lang="tr-TR" dirty="0" err="1" smtClean="0"/>
+              <a:t>projects</a:t>
+            </a:r>
+            <a:r>
+              <a:rPr lang="tr-TR" dirty="0" smtClean="0"/>
+              <a:t> </a:t>
+            </a:r>
+            <a:r>
+              <a:rPr lang="tr-TR" dirty="0" err="1" smtClean="0"/>
+              <a:t>if</a:t>
+            </a:r>
+            <a:r>
+              <a:rPr lang="tr-TR" dirty="0" smtClean="0"/>
+              <a:t> a </a:t>
+            </a:r>
+            <a:r>
+              <a:rPr lang="tr-TR" dirty="0" err="1" smtClean="0"/>
+              <a:t>function</a:t>
+            </a:r>
+            <a:r>
+              <a:rPr lang="tr-TR" dirty="0" smtClean="0"/>
+              <a:t> </a:t>
+            </a:r>
+            <a:r>
+              <a:rPr lang="tr-TR" dirty="0" err="1" smtClean="0"/>
+              <a:t>named</a:t>
+            </a:r>
+            <a:r>
+              <a:rPr lang="tr-TR" dirty="0" smtClean="0"/>
+              <a:t> “</a:t>
+            </a:r>
+            <a:r>
+              <a:rPr lang="tr-TR" dirty="0" err="1" smtClean="0"/>
+              <a:t>Array</a:t>
+            </a:r>
+            <a:r>
+              <a:rPr lang="tr-TR" dirty="0" smtClean="0"/>
+              <a:t>” </a:t>
+            </a:r>
+            <a:r>
+              <a:rPr lang="tr-TR" dirty="0" err="1" smtClean="0"/>
+              <a:t>defined</a:t>
+            </a:r>
+            <a:r>
+              <a:rPr lang="tr-TR" dirty="0" smtClean="0"/>
+              <a:t>.</a:t>
+            </a:r>
+          </a:p>
+          <a:p>
+            <a:r>
+              <a:rPr lang="tr-TR" dirty="0" err="1" smtClean="0"/>
+              <a:t>Alerts</a:t>
+            </a:r>
+            <a:r>
+              <a:rPr lang="tr-TR" dirty="0" smtClean="0"/>
+              <a:t> in </a:t>
+            </a:r>
+            <a:r>
+              <a:rPr lang="tr-TR" dirty="0" err="1" smtClean="0"/>
+              <a:t>constructor</a:t>
+            </a:r>
+            <a:r>
+              <a:rPr lang="tr-TR" dirty="0" smtClean="0"/>
+              <a:t> </a:t>
+            </a:r>
+            <a:r>
+              <a:rPr lang="tr-TR" dirty="0" err="1" smtClean="0"/>
+              <a:t>syntax</a:t>
+            </a:r>
+            <a:r>
+              <a:rPr lang="tr-TR" dirty="0" smtClean="0"/>
+              <a:t> is </a:t>
+            </a:r>
+            <a:r>
+              <a:rPr lang="tr-TR" dirty="0" err="1" smtClean="0"/>
+              <a:t>confusing</a:t>
+            </a:r>
+            <a:r>
+              <a:rPr lang="tr-TR" dirty="0" smtClean="0"/>
+              <a:t>.</a:t>
+            </a:r>
+            <a:endParaRPr lang="tr-TR" dirty="0"/>
           </a:p>
         </p:txBody>
       </p:sp>
